--- a/design/2016/models/1_request_model.pptx
+++ b/design/2016/models/1_request_model.pptx
@@ -197,7 +197,7 @@
           <a:p>
             <a:fld id="{729140AA-5DCF-4644-846F-5EE03622738A}" type="datetimeFigureOut">
               <a:rPr kumimoji="1" lang="ja-JP" altLang="en-US" smtClean="0"/>
-              <a:t>2016/8/15</a:t>
+              <a:t>2016/8/17</a:t>
             </a:fld>
             <a:endParaRPr kumimoji="1" lang="ja-JP" altLang="en-US"/>
           </a:p>
@@ -628,7 +628,7 @@
           <a:p>
             <a:fld id="{D72B48E1-50D5-40B7-9AA4-D680720A3CD4}" type="datetimeFigureOut">
               <a:rPr kumimoji="1" lang="ja-JP" altLang="en-US" smtClean="0"/>
-              <a:t>2016/8/15</a:t>
+              <a:t>2016/8/17</a:t>
             </a:fld>
             <a:endParaRPr kumimoji="1" lang="ja-JP" altLang="en-US"/>
           </a:p>
@@ -830,7 +830,7 @@
           <a:p>
             <a:fld id="{D72B48E1-50D5-40B7-9AA4-D680720A3CD4}" type="datetimeFigureOut">
               <a:rPr kumimoji="1" lang="ja-JP" altLang="en-US" smtClean="0"/>
-              <a:t>2016/8/15</a:t>
+              <a:t>2016/8/17</a:t>
             </a:fld>
             <a:endParaRPr kumimoji="1" lang="ja-JP" altLang="en-US"/>
           </a:p>
@@ -1042,7 +1042,7 @@
           <a:p>
             <a:fld id="{D72B48E1-50D5-40B7-9AA4-D680720A3CD4}" type="datetimeFigureOut">
               <a:rPr kumimoji="1" lang="ja-JP" altLang="en-US" smtClean="0"/>
-              <a:t>2016/8/15</a:t>
+              <a:t>2016/8/17</a:t>
             </a:fld>
             <a:endParaRPr kumimoji="1" lang="ja-JP" altLang="en-US"/>
           </a:p>
@@ -1281,7 +1281,7 @@
           <a:p>
             <a:fld id="{D72B48E1-50D5-40B7-9AA4-D680720A3CD4}" type="datetimeFigureOut">
               <a:rPr kumimoji="1" lang="ja-JP" altLang="en-US" smtClean="0"/>
-              <a:t>2016/8/15</a:t>
+              <a:t>2016/8/17</a:t>
             </a:fld>
             <a:endParaRPr kumimoji="1" lang="ja-JP" altLang="en-US"/>
           </a:p>
@@ -1525,7 +1525,7 @@
           <a:p>
             <a:fld id="{D72B48E1-50D5-40B7-9AA4-D680720A3CD4}" type="datetimeFigureOut">
               <a:rPr kumimoji="1" lang="ja-JP" altLang="en-US" smtClean="0"/>
-              <a:t>2016/8/15</a:t>
+              <a:t>2016/8/17</a:t>
             </a:fld>
             <a:endParaRPr kumimoji="1" lang="ja-JP" altLang="en-US"/>
           </a:p>
@@ -1821,7 +1821,7 @@
           <a:p>
             <a:fld id="{D72B48E1-50D5-40B7-9AA4-D680720A3CD4}" type="datetimeFigureOut">
               <a:rPr kumimoji="1" lang="ja-JP" altLang="en-US" smtClean="0"/>
-              <a:t>2016/8/15</a:t>
+              <a:t>2016/8/17</a:t>
             </a:fld>
             <a:endParaRPr kumimoji="1" lang="ja-JP" altLang="en-US"/>
           </a:p>
@@ -2252,7 +2252,7 @@
           <a:p>
             <a:fld id="{D72B48E1-50D5-40B7-9AA4-D680720A3CD4}" type="datetimeFigureOut">
               <a:rPr kumimoji="1" lang="ja-JP" altLang="en-US" smtClean="0"/>
-              <a:t>2016/8/15</a:t>
+              <a:t>2016/8/17</a:t>
             </a:fld>
             <a:endParaRPr kumimoji="1" lang="ja-JP" altLang="en-US"/>
           </a:p>
@@ -2370,7 +2370,7 @@
           <a:p>
             <a:fld id="{D72B48E1-50D5-40B7-9AA4-D680720A3CD4}" type="datetimeFigureOut">
               <a:rPr kumimoji="1" lang="ja-JP" altLang="en-US" smtClean="0"/>
-              <a:t>2016/8/15</a:t>
+              <a:t>2016/8/17</a:t>
             </a:fld>
             <a:endParaRPr kumimoji="1" lang="ja-JP" altLang="en-US"/>
           </a:p>
@@ -2465,7 +2465,7 @@
           <a:p>
             <a:fld id="{D72B48E1-50D5-40B7-9AA4-D680720A3CD4}" type="datetimeFigureOut">
               <a:rPr kumimoji="1" lang="ja-JP" altLang="en-US" smtClean="0"/>
-              <a:t>2016/8/15</a:t>
+              <a:t>2016/8/17</a:t>
             </a:fld>
             <a:endParaRPr kumimoji="1" lang="ja-JP" altLang="en-US"/>
           </a:p>
@@ -2774,7 +2774,7 @@
           <a:p>
             <a:fld id="{D72B48E1-50D5-40B7-9AA4-D680720A3CD4}" type="datetimeFigureOut">
               <a:rPr kumimoji="1" lang="ja-JP" altLang="en-US" smtClean="0"/>
-              <a:t>2016/8/15</a:t>
+              <a:t>2016/8/17</a:t>
             </a:fld>
             <a:endParaRPr kumimoji="1" lang="ja-JP" altLang="en-US"/>
           </a:p>
@@ -3031,7 +3031,7 @@
           <a:p>
             <a:fld id="{D72B48E1-50D5-40B7-9AA4-D680720A3CD4}" type="datetimeFigureOut">
               <a:rPr kumimoji="1" lang="ja-JP" altLang="en-US" smtClean="0"/>
-              <a:t>2016/8/15</a:t>
+              <a:t>2016/8/17</a:t>
             </a:fld>
             <a:endParaRPr kumimoji="1" lang="ja-JP" altLang="en-US"/>
           </a:p>
@@ -3276,7 +3276,7 @@
           <a:p>
             <a:fld id="{D72B48E1-50D5-40B7-9AA4-D680720A3CD4}" type="datetimeFigureOut">
               <a:rPr kumimoji="1" lang="ja-JP" altLang="en-US" smtClean="0"/>
-              <a:t>2016/8/15</a:t>
+              <a:t>2016/8/17</a:t>
             </a:fld>
             <a:endParaRPr kumimoji="1" lang="ja-JP" altLang="en-US"/>
           </a:p>
@@ -4996,7 +4996,7 @@
         <p:spPr>
           <a:xfrm>
             <a:off x="361022" y="6435534"/>
-            <a:ext cx="3299301" cy="369332"/>
+            <a:ext cx="2837636" cy="369332"/>
           </a:xfrm>
           <a:prstGeom prst="rect">
             <a:avLst/>
@@ -5031,7 +5031,18 @@
                 <a:ea typeface="メイリオ" panose="020B0604030504040204" pitchFamily="50" charset="-128"/>
                 <a:cs typeface="メイリオ" panose="020B0604030504040204" pitchFamily="50" charset="-128"/>
               </a:rPr>
-              <a:t>要求に対応する要素技術</a:t>
+              <a:t>要求に対応する</a:t>
+            </a:r>
+            <a:r>
+              <a:rPr lang="ja-JP" altLang="en-US" sz="1800" b="1" dirty="0" smtClean="0">
+                <a:solidFill>
+                  <a:schemeClr val="bg1"/>
+                </a:solidFill>
+                <a:latin typeface="メイリオ" panose="020B0604030504040204" pitchFamily="50" charset="-128"/>
+                <a:ea typeface="メイリオ" panose="020B0604030504040204" pitchFamily="50" charset="-128"/>
+                <a:cs typeface="メイリオ" panose="020B0604030504040204" pitchFamily="50" charset="-128"/>
+              </a:rPr>
+              <a:t>要素</a:t>
             </a:r>
             <a:endParaRPr kumimoji="1" lang="ja-JP" altLang="en-US" sz="1800" b="1" dirty="0">
               <a:solidFill>
@@ -5052,8 +5063,8 @@
         </p:nvSpPr>
         <p:spPr>
           <a:xfrm>
-            <a:off x="6194261" y="6885092"/>
-            <a:ext cx="2339102" cy="461665"/>
+            <a:off x="6157114" y="7182465"/>
+            <a:ext cx="2339102" cy="646331"/>
           </a:xfrm>
           <a:prstGeom prst="rect">
             <a:avLst/>
@@ -5080,7 +5091,70 @@
                 <a:ea typeface="メイリオ" panose="020B0604030504040204" pitchFamily="50" charset="-128"/>
                 <a:cs typeface="メイリオ" panose="020B0604030504040204" pitchFamily="50" charset="-128"/>
               </a:rPr>
-              <a:t>各要素技術の詳細は後述する</a:t>
+              <a:t>要求に対応する要素の</a:t>
+            </a:r>
+            <a:r>
+              <a:rPr kumimoji="1" lang="ja-JP" altLang="en-US" sz="1200" dirty="0" smtClean="0">
+                <a:latin typeface="メイリオ" panose="020B0604030504040204" pitchFamily="50" charset="-128"/>
+                <a:ea typeface="メイリオ" panose="020B0604030504040204" pitchFamily="50" charset="-128"/>
+                <a:cs typeface="メイリオ" panose="020B0604030504040204" pitchFamily="50" charset="-128"/>
+              </a:rPr>
+              <a:t>詳細</a:t>
+            </a:r>
+            <a:r>
+              <a:rPr kumimoji="1" lang="ja-JP" altLang="en-US" sz="1200" dirty="0" smtClean="0">
+                <a:latin typeface="メイリオ" panose="020B0604030504040204" pitchFamily="50" charset="-128"/>
+                <a:ea typeface="メイリオ" panose="020B0604030504040204" pitchFamily="50" charset="-128"/>
+                <a:cs typeface="メイリオ" panose="020B0604030504040204" pitchFamily="50" charset="-128"/>
+              </a:rPr>
+              <a:t>は</a:t>
+            </a:r>
+            <a:r>
+              <a:rPr kumimoji="1" lang="en-US" altLang="ja-JP" sz="1200" dirty="0" smtClean="0">
+                <a:latin typeface="メイリオ" panose="020B0604030504040204" pitchFamily="50" charset="-128"/>
+                <a:ea typeface="メイリオ" panose="020B0604030504040204" pitchFamily="50" charset="-128"/>
+                <a:cs typeface="メイリオ" panose="020B0604030504040204" pitchFamily="50" charset="-128"/>
+              </a:rPr>
+              <a:t/>
+            </a:r>
+            <a:br>
+              <a:rPr kumimoji="1" lang="en-US" altLang="ja-JP" sz="1200" dirty="0" smtClean="0">
+                <a:latin typeface="メイリオ" panose="020B0604030504040204" pitchFamily="50" charset="-128"/>
+                <a:ea typeface="メイリオ" panose="020B0604030504040204" pitchFamily="50" charset="-128"/>
+                <a:cs typeface="メイリオ" panose="020B0604030504040204" pitchFamily="50" charset="-128"/>
+              </a:rPr>
+            </a:br>
+            <a:r>
+              <a:rPr lang="ja-JP" altLang="en-US" sz="1200" dirty="0">
+                <a:latin typeface="メイリオ" panose="020B0604030504040204" pitchFamily="50" charset="-128"/>
+                <a:ea typeface="メイリオ" panose="020B0604030504040204" pitchFamily="50" charset="-128"/>
+                <a:cs typeface="メイリオ" panose="020B0604030504040204" pitchFamily="50" charset="-128"/>
+              </a:rPr>
+              <a:t> </a:t>
+            </a:r>
+            <a:r>
+              <a:rPr lang="ja-JP" altLang="en-US" sz="1200" dirty="0" smtClean="0">
+                <a:latin typeface="メイリオ" panose="020B0604030504040204" pitchFamily="50" charset="-128"/>
+                <a:ea typeface="メイリオ" panose="020B0604030504040204" pitchFamily="50" charset="-128"/>
+                <a:cs typeface="メイリオ" panose="020B0604030504040204" pitchFamily="50" charset="-128"/>
+              </a:rPr>
+              <a:t>  </a:t>
+            </a:r>
+            <a:r>
+              <a:rPr kumimoji="1" lang="ja-JP" altLang="en-US" sz="1200" dirty="0" smtClean="0">
+                <a:latin typeface="メイリオ" panose="020B0604030504040204" pitchFamily="50" charset="-128"/>
+                <a:ea typeface="メイリオ" panose="020B0604030504040204" pitchFamily="50" charset="-128"/>
+                <a:cs typeface="メイリオ" panose="020B0604030504040204" pitchFamily="50" charset="-128"/>
+              </a:rPr>
+              <a:t>後述</a:t>
+            </a:r>
+            <a:r>
+              <a:rPr kumimoji="1" lang="ja-JP" altLang="en-US" sz="1200" dirty="0" smtClean="0">
+                <a:latin typeface="メイリオ" panose="020B0604030504040204" pitchFamily="50" charset="-128"/>
+                <a:ea typeface="メイリオ" panose="020B0604030504040204" pitchFamily="50" charset="-128"/>
+                <a:cs typeface="メイリオ" panose="020B0604030504040204" pitchFamily="50" charset="-128"/>
+              </a:rPr>
+              <a:t>する</a:t>
             </a:r>
             <a:endParaRPr lang="en-US" altLang="ja-JP" sz="1200" dirty="0">
               <a:latin typeface="メイリオ" panose="020B0604030504040204" pitchFamily="50" charset="-128"/>
@@ -5095,7 +5169,23 @@
                 <a:ea typeface="メイリオ" panose="020B0604030504040204" pitchFamily="50" charset="-128"/>
                 <a:cs typeface="メイリオ" panose="020B0604030504040204" pitchFamily="50" charset="-128"/>
               </a:rPr>
-              <a:t>   (</a:t>
+              <a:t>   </a:t>
+            </a:r>
+            <a:r>
+              <a:rPr kumimoji="1" lang="en-US" altLang="ja-JP" sz="1200" dirty="0" smtClean="0">
+                <a:latin typeface="メイリオ" panose="020B0604030504040204" pitchFamily="50" charset="-128"/>
+                <a:ea typeface="メイリオ" panose="020B0604030504040204" pitchFamily="50" charset="-128"/>
+                <a:cs typeface="メイリオ" panose="020B0604030504040204" pitchFamily="50" charset="-128"/>
+              </a:rPr>
+              <a:t>(</a:t>
+            </a:r>
+            <a:r>
+              <a:rPr lang="ja-JP" altLang="en-US" sz="1200" dirty="0" smtClean="0">
+                <a:latin typeface="メイリオ" panose="020B0604030504040204" pitchFamily="50" charset="-128"/>
+                <a:ea typeface="メイリオ" panose="020B0604030504040204" pitchFamily="50" charset="-128"/>
+                <a:cs typeface="メイリオ" panose="020B0604030504040204" pitchFamily="50" charset="-128"/>
+              </a:rPr>
+              <a:t>記述先は</a:t>
             </a:r>
             <a:r>
               <a:rPr kumimoji="1" lang="ja-JP" altLang="en-US" sz="1200" dirty="0" smtClean="0">
@@ -5103,7 +5193,7 @@
                 <a:ea typeface="メイリオ" panose="020B0604030504040204" pitchFamily="50" charset="-128"/>
                 <a:cs typeface="メイリオ" panose="020B0604030504040204" pitchFamily="50" charset="-128"/>
               </a:rPr>
-              <a:t>要素技術の番号を参照</a:t>
+              <a:t>各番号を参照</a:t>
             </a:r>
             <a:r>
               <a:rPr kumimoji="1" lang="en-US" altLang="ja-JP" sz="1200" dirty="0" smtClean="0">
@@ -5130,7 +5220,7 @@
           <p:nvPr>
             <p:extLst>
               <p:ext uri="{D42A27DB-BD31-4B8C-83A1-F6EECF244321}">
-                <p14:modId xmlns:p14="http://schemas.microsoft.com/office/powerpoint/2010/main" val="3587678748"/>
+                <p14:modId xmlns:p14="http://schemas.microsoft.com/office/powerpoint/2010/main" val="1653948519"/>
               </p:ext>
             </p:extLst>
           </p:nvPr>
@@ -5223,15 +5313,26 @@
                     <a:p>
                       <a:pPr algn="ctr" fontAlgn="ctr"/>
                       <a:r>
-                        <a:rPr lang="ja-JP" altLang="en-US" sz="700" b="1" i="0" u="none" strike="noStrike">
-                          <a:solidFill>
-                            <a:srgbClr val="000000"/>
-                          </a:solidFill>
-                          <a:effectLst/>
-                          <a:latin typeface="メイリオ" panose="020B0604030504040204" pitchFamily="50" charset="-128"/>
-                          <a:ea typeface="メイリオ" panose="020B0604030504040204" pitchFamily="50" charset="-128"/>
-                        </a:rPr>
-                        <a:t>要素技術と参照先</a:t>
+                        <a:rPr lang="ja-JP" altLang="en-US" sz="700" b="1" i="0" u="none" strike="noStrike" dirty="0" smtClean="0">
+                          <a:solidFill>
+                            <a:srgbClr val="000000"/>
+                          </a:solidFill>
+                          <a:effectLst/>
+                          <a:latin typeface="メイリオ" panose="020B0604030504040204" pitchFamily="50" charset="-128"/>
+                          <a:ea typeface="メイリオ" panose="020B0604030504040204" pitchFamily="50" charset="-128"/>
+                        </a:rPr>
+                        <a:t>要求に対応する要素と</a:t>
+                      </a:r>
+                      <a:r>
+                        <a:rPr lang="ja-JP" altLang="en-US" sz="700" b="1" i="0" u="none" strike="noStrike" dirty="0">
+                          <a:solidFill>
+                            <a:srgbClr val="000000"/>
+                          </a:solidFill>
+                          <a:effectLst/>
+                          <a:latin typeface="メイリオ" panose="020B0604030504040204" pitchFamily="50" charset="-128"/>
+                          <a:ea typeface="メイリオ" panose="020B0604030504040204" pitchFamily="50" charset="-128"/>
+                        </a:rPr>
+                        <a:t>参照先</a:t>
                       </a:r>
                     </a:p>
                   </a:txBody>
@@ -5401,8 +5502,82 @@
                           <a:latin typeface="メイリオ" panose="020B0604030504040204" pitchFamily="50" charset="-128"/>
                           <a:ea typeface="メイリオ" panose="020B0604030504040204" pitchFamily="50" charset="-128"/>
                         </a:rPr>
-                        <a:t>移動対象決定</a:t>
-                      </a:r>
+                        <a:t>移動</a:t>
+                      </a:r>
+                      <a:r>
+                        <a:rPr lang="zh-TW" altLang="en-US" sz="700" b="0" i="0" u="none" strike="noStrike" dirty="0" smtClean="0">
+                          <a:solidFill>
+                            <a:srgbClr val="000000"/>
+                          </a:solidFill>
+                          <a:effectLst/>
+                          <a:latin typeface="メイリオ" panose="020B0604030504040204" pitchFamily="50" charset="-128"/>
+                          <a:ea typeface="メイリオ" panose="020B0604030504040204" pitchFamily="50" charset="-128"/>
+                        </a:rPr>
+                        <a:t>対象</a:t>
+                      </a:r>
+                      <a:r>
+                        <a:rPr lang="ja-JP" altLang="en-US" sz="700" b="0" i="0" u="none" strike="noStrike" dirty="0" smtClean="0">
+                          <a:solidFill>
+                            <a:srgbClr val="000000"/>
+                          </a:solidFill>
+                          <a:effectLst/>
+                          <a:latin typeface="メイリオ" panose="020B0604030504040204" pitchFamily="50" charset="-128"/>
+                          <a:ea typeface="メイリオ" panose="020B0604030504040204" pitchFamily="50" charset="-128"/>
+                        </a:rPr>
+                        <a:t>ブロック</a:t>
+                      </a:r>
+                      <a:r>
+                        <a:rPr lang="zh-TW" altLang="en-US" sz="700" b="0" i="0" u="none" strike="noStrike" dirty="0" smtClean="0">
+                          <a:solidFill>
+                            <a:srgbClr val="000000"/>
+                          </a:solidFill>
+                          <a:effectLst/>
+                          <a:latin typeface="メイリオ" panose="020B0604030504040204" pitchFamily="50" charset="-128"/>
+                          <a:ea typeface="メイリオ" panose="020B0604030504040204" pitchFamily="50" charset="-128"/>
+                        </a:rPr>
+                        <a:t>決定</a:t>
+                      </a:r>
+                      <a:r>
+                        <a:rPr lang="en-US" altLang="zh-TW" sz="700" b="0" i="0" u="none" strike="noStrike" dirty="0" smtClean="0">
+                          <a:solidFill>
+                            <a:srgbClr val="000000"/>
+                          </a:solidFill>
+                          <a:effectLst/>
+                          <a:latin typeface="メイリオ" panose="020B0604030504040204" pitchFamily="50" charset="-128"/>
+                          <a:ea typeface="メイリオ" panose="020B0604030504040204" pitchFamily="50" charset="-128"/>
+                        </a:rPr>
+                        <a:t>(</a:t>
+                      </a:r>
+                      <a:r>
+                        <a:rPr lang="ja-JP" altLang="en-US" sz="700" b="0" i="0" u="none" strike="noStrike" dirty="0" smtClean="0">
+                          <a:solidFill>
+                            <a:srgbClr val="000000"/>
+                          </a:solidFill>
+                          <a:effectLst/>
+                          <a:latin typeface="メイリオ" panose="020B0604030504040204" pitchFamily="50" charset="-128"/>
+                          <a:ea typeface="メイリオ" panose="020B0604030504040204" pitchFamily="50" charset="-128"/>
+                        </a:rPr>
+                        <a:t>ゲームの攻略手順</a:t>
+                      </a:r>
+                      <a:r>
+                        <a:rPr lang="en-US" altLang="zh-TW" sz="700" b="0" i="0" u="none" strike="noStrike" dirty="0" smtClean="0">
+                          <a:solidFill>
+                            <a:srgbClr val="000000"/>
+                          </a:solidFill>
+                          <a:effectLst/>
+                          <a:latin typeface="メイリオ" panose="020B0604030504040204" pitchFamily="50" charset="-128"/>
+                          <a:ea typeface="メイリオ" panose="020B0604030504040204" pitchFamily="50" charset="-128"/>
+                        </a:rPr>
+                        <a:t>)</a:t>
+                      </a:r>
+                      <a:endParaRPr lang="zh-TW" altLang="en-US" sz="700" b="0" i="0" u="none" strike="noStrike" dirty="0">
+                        <a:solidFill>
+                          <a:srgbClr val="000000"/>
+                        </a:solidFill>
+                        <a:effectLst/>
+                        <a:latin typeface="メイリオ" panose="020B0604030504040204" pitchFamily="50" charset="-128"/>
+                        <a:ea typeface="メイリオ" panose="020B0604030504040204" pitchFamily="50" charset="-128"/>
+                      </a:endParaRPr>
                     </a:p>
                   </a:txBody>
                   <a:tcPr marL="6539" marR="6539" marT="6539" marB="0" vert="eaVert" anchor="ctr">
@@ -5451,6 +5626,331 @@
                     <a:p>
                       <a:pPr algn="l" fontAlgn="t"/>
                       <a:r>
+                        <a:rPr lang="ja-JP" altLang="en-US" sz="700" b="0" i="0" u="none" strike="noStrike" dirty="0" smtClean="0">
+                          <a:solidFill>
+                            <a:srgbClr val="000000"/>
+                          </a:solidFill>
+                          <a:effectLst/>
+                          <a:latin typeface="メイリオ" panose="020B0604030504040204" pitchFamily="50" charset="-128"/>
+                          <a:ea typeface="メイリオ" panose="020B0604030504040204" pitchFamily="50" charset="-128"/>
+                        </a:rPr>
+                        <a:t>ブロックの色の管理</a:t>
+                      </a:r>
+                      <a:endParaRPr lang="ja-JP" altLang="en-US" sz="700" b="0" i="0" u="none" strike="noStrike" dirty="0">
+                        <a:solidFill>
+                          <a:srgbClr val="000000"/>
+                        </a:solidFill>
+                        <a:effectLst/>
+                        <a:latin typeface="メイリオ" panose="020B0604030504040204" pitchFamily="50" charset="-128"/>
+                        <a:ea typeface="メイリオ" panose="020B0604030504040204" pitchFamily="50" charset="-128"/>
+                      </a:endParaRPr>
+                    </a:p>
+                  </a:txBody>
+                  <a:tcPr marL="6539" marR="6539" marT="6539" marB="0" vert="eaVert" anchor="ctr">
+                    <a:lnL w="6350" cap="flat" cmpd="sng" algn="ctr">
+                      <a:solidFill>
+                        <a:srgbClr val="000000"/>
+                      </a:solidFill>
+                      <a:prstDash val="solid"/>
+                      <a:round/>
+                      <a:headEnd type="none" w="med" len="med"/>
+                      <a:tailEnd type="none" w="med" len="med"/>
+                    </a:lnL>
+                    <a:lnR w="6350" cap="flat" cmpd="sng" algn="ctr">
+                      <a:solidFill>
+                        <a:srgbClr val="000000"/>
+                      </a:solidFill>
+                      <a:prstDash val="solid"/>
+                      <a:round/>
+                      <a:headEnd type="none" w="med" len="med"/>
+                      <a:tailEnd type="none" w="med" len="med"/>
+                    </a:lnR>
+                    <a:lnT w="6350" cap="flat" cmpd="sng" algn="ctr">
+                      <a:solidFill>
+                        <a:srgbClr val="000000"/>
+                      </a:solidFill>
+                      <a:prstDash val="solid"/>
+                      <a:round/>
+                      <a:headEnd type="none" w="med" len="med"/>
+                      <a:tailEnd type="none" w="med" len="med"/>
+                    </a:lnT>
+                    <a:lnB w="6350" cap="flat" cmpd="sng" algn="ctr">
+                      <a:solidFill>
+                        <a:srgbClr val="000000"/>
+                      </a:solidFill>
+                      <a:prstDash val="solid"/>
+                      <a:round/>
+                      <a:headEnd type="none" w="med" len="med"/>
+                      <a:tailEnd type="none" w="med" len="med"/>
+                    </a:lnB>
+                  </a:tcPr>
+                </a:tc>
+                <a:tc>
+                  <a:txBody>
+                    <a:bodyPr/>
+                    <a:lstStyle/>
+                    <a:p>
+                      <a:pPr algn="l" fontAlgn="t"/>
+                      <a:r>
+                        <a:rPr lang="zh-TW" altLang="en-US" sz="700" b="0" i="0" u="none" strike="noStrike" dirty="0">
+                          <a:solidFill>
+                            <a:srgbClr val="000000"/>
+                          </a:solidFill>
+                          <a:effectLst/>
+                          <a:latin typeface="メイリオ" panose="020B0604030504040204" pitchFamily="50" charset="-128"/>
+                          <a:ea typeface="メイリオ" panose="020B0604030504040204" pitchFamily="50" charset="-128"/>
+                        </a:rPr>
+                        <a:t>自己位置推定機能</a:t>
+                      </a:r>
+                    </a:p>
+                  </a:txBody>
+                  <a:tcPr marL="6539" marR="6539" marT="6539" marB="0" vert="eaVert" anchor="ctr">
+                    <a:lnL w="6350" cap="flat" cmpd="sng" algn="ctr">
+                      <a:solidFill>
+                        <a:srgbClr val="000000"/>
+                      </a:solidFill>
+                      <a:prstDash val="solid"/>
+                      <a:round/>
+                      <a:headEnd type="none" w="med" len="med"/>
+                      <a:tailEnd type="none" w="med" len="med"/>
+                    </a:lnL>
+                    <a:lnR w="6350" cap="flat" cmpd="sng" algn="ctr">
+                      <a:solidFill>
+                        <a:srgbClr val="000000"/>
+                      </a:solidFill>
+                      <a:prstDash val="solid"/>
+                      <a:round/>
+                      <a:headEnd type="none" w="med" len="med"/>
+                      <a:tailEnd type="none" w="med" len="med"/>
+                    </a:lnR>
+                    <a:lnT w="6350" cap="flat" cmpd="sng" algn="ctr">
+                      <a:solidFill>
+                        <a:srgbClr val="000000"/>
+                      </a:solidFill>
+                      <a:prstDash val="solid"/>
+                      <a:round/>
+                      <a:headEnd type="none" w="med" len="med"/>
+                      <a:tailEnd type="none" w="med" len="med"/>
+                    </a:lnT>
+                    <a:lnB w="6350" cap="flat" cmpd="sng" algn="ctr">
+                      <a:solidFill>
+                        <a:srgbClr val="000000"/>
+                      </a:solidFill>
+                      <a:prstDash val="solid"/>
+                      <a:round/>
+                      <a:headEnd type="none" w="med" len="med"/>
+                      <a:tailEnd type="none" w="med" len="med"/>
+                    </a:lnB>
+                  </a:tcPr>
+                </a:tc>
+                <a:tc>
+                  <a:txBody>
+                    <a:bodyPr/>
+                    <a:lstStyle/>
+                    <a:p>
+                      <a:pPr algn="l" fontAlgn="t"/>
+                      <a:r>
+                        <a:rPr lang="ja-JP" altLang="en-US" sz="700" b="0" i="0" u="none" strike="noStrike" dirty="0" smtClean="0">
+                          <a:solidFill>
+                            <a:srgbClr val="000000"/>
+                          </a:solidFill>
+                          <a:effectLst/>
+                          <a:latin typeface="メイリオ" panose="020B0604030504040204" pitchFamily="50" charset="-128"/>
+                          <a:ea typeface="メイリオ" panose="020B0604030504040204" pitchFamily="50" charset="-128"/>
+                        </a:rPr>
+                        <a:t>経路の選択基準</a:t>
+                      </a:r>
+                      <a:endParaRPr lang="ja-JP" altLang="en-US" sz="700" b="0" i="0" u="none" strike="noStrike" dirty="0">
+                        <a:solidFill>
+                          <a:srgbClr val="000000"/>
+                        </a:solidFill>
+                        <a:effectLst/>
+                        <a:latin typeface="メイリオ" panose="020B0604030504040204" pitchFamily="50" charset="-128"/>
+                        <a:ea typeface="メイリオ" panose="020B0604030504040204" pitchFamily="50" charset="-128"/>
+                      </a:endParaRPr>
+                    </a:p>
+                  </a:txBody>
+                  <a:tcPr marL="6539" marR="6539" marT="6539" marB="0" vert="eaVert" anchor="ctr">
+                    <a:lnL w="6350" cap="flat" cmpd="sng" algn="ctr">
+                      <a:solidFill>
+                        <a:srgbClr val="000000"/>
+                      </a:solidFill>
+                      <a:prstDash val="solid"/>
+                      <a:round/>
+                      <a:headEnd type="none" w="med" len="med"/>
+                      <a:tailEnd type="none" w="med" len="med"/>
+                    </a:lnL>
+                    <a:lnR w="6350" cap="flat" cmpd="sng" algn="ctr">
+                      <a:solidFill>
+                        <a:srgbClr val="000000"/>
+                      </a:solidFill>
+                      <a:prstDash val="solid"/>
+                      <a:round/>
+                      <a:headEnd type="none" w="med" len="med"/>
+                      <a:tailEnd type="none" w="med" len="med"/>
+                    </a:lnR>
+                    <a:lnT w="6350" cap="flat" cmpd="sng" algn="ctr">
+                      <a:solidFill>
+                        <a:srgbClr val="000000"/>
+                      </a:solidFill>
+                      <a:prstDash val="solid"/>
+                      <a:round/>
+                      <a:headEnd type="none" w="med" len="med"/>
+                      <a:tailEnd type="none" w="med" len="med"/>
+                    </a:lnT>
+                    <a:lnB w="6350" cap="flat" cmpd="sng" algn="ctr">
+                      <a:solidFill>
+                        <a:srgbClr val="000000"/>
+                      </a:solidFill>
+                      <a:prstDash val="solid"/>
+                      <a:round/>
+                      <a:headEnd type="none" w="med" len="med"/>
+                      <a:tailEnd type="none" w="med" len="med"/>
+                    </a:lnB>
+                  </a:tcPr>
+                </a:tc>
+                <a:tc>
+                  <a:txBody>
+                    <a:bodyPr/>
+                    <a:lstStyle/>
+                    <a:p>
+                      <a:pPr algn="l" fontAlgn="t"/>
+                      <a:r>
+                        <a:rPr lang="zh-TW" altLang="en-US" sz="700" b="0" i="0" u="none" strike="noStrike" dirty="0">
+                          <a:solidFill>
+                            <a:srgbClr val="000000"/>
+                          </a:solidFill>
+                          <a:effectLst/>
+                          <a:latin typeface="メイリオ" panose="020B0604030504040204" pitchFamily="50" charset="-128"/>
+                          <a:ea typeface="メイリオ" panose="020B0604030504040204" pitchFamily="50" charset="-128"/>
+                        </a:rPr>
+                        <a:t>座標指定移動</a:t>
+                      </a:r>
+                    </a:p>
+                  </a:txBody>
+                  <a:tcPr marL="6539" marR="6539" marT="6539" marB="0" vert="eaVert" anchor="ctr">
+                    <a:lnL w="6350" cap="flat" cmpd="sng" algn="ctr">
+                      <a:solidFill>
+                        <a:srgbClr val="000000"/>
+                      </a:solidFill>
+                      <a:prstDash val="solid"/>
+                      <a:round/>
+                      <a:headEnd type="none" w="med" len="med"/>
+                      <a:tailEnd type="none" w="med" len="med"/>
+                    </a:lnL>
+                    <a:lnR w="6350" cap="flat" cmpd="sng" algn="ctr">
+                      <a:solidFill>
+                        <a:srgbClr val="000000"/>
+                      </a:solidFill>
+                      <a:prstDash val="solid"/>
+                      <a:round/>
+                      <a:headEnd type="none" w="med" len="med"/>
+                      <a:tailEnd type="none" w="med" len="med"/>
+                    </a:lnR>
+                    <a:lnT w="6350" cap="flat" cmpd="sng" algn="ctr">
+                      <a:solidFill>
+                        <a:srgbClr val="000000"/>
+                      </a:solidFill>
+                      <a:prstDash val="solid"/>
+                      <a:round/>
+                      <a:headEnd type="none" w="med" len="med"/>
+                      <a:tailEnd type="none" w="med" len="med"/>
+                    </a:lnT>
+                    <a:lnB w="6350" cap="flat" cmpd="sng" algn="ctr">
+                      <a:solidFill>
+                        <a:srgbClr val="000000"/>
+                      </a:solidFill>
+                      <a:prstDash val="solid"/>
+                      <a:round/>
+                      <a:headEnd type="none" w="med" len="med"/>
+                      <a:tailEnd type="none" w="med" len="med"/>
+                    </a:lnB>
+                  </a:tcPr>
+                </a:tc>
+                <a:tc>
+                  <a:txBody>
+                    <a:bodyPr/>
+                    <a:lstStyle/>
+                    <a:p>
+                      <a:pPr algn="l" fontAlgn="t"/>
+                      <a:r>
+                        <a:rPr lang="zh-TW" altLang="en-US" sz="700" b="0" i="0" u="none" strike="noStrike" dirty="0" smtClean="0">
+                          <a:solidFill>
+                            <a:srgbClr val="000000"/>
+                          </a:solidFill>
+                          <a:effectLst/>
+                          <a:latin typeface="メイリオ" panose="020B0604030504040204" pitchFamily="50" charset="-128"/>
+                          <a:ea typeface="メイリオ" panose="020B0604030504040204" pitchFamily="50" charset="-128"/>
+                        </a:rPr>
+                        <a:t>最適速度</a:t>
+                      </a:r>
+                      <a:r>
+                        <a:rPr lang="ja-JP" altLang="en-US" sz="700" b="0" i="0" u="none" strike="noStrike" dirty="0" smtClean="0">
+                          <a:solidFill>
+                            <a:srgbClr val="000000"/>
+                          </a:solidFill>
+                          <a:effectLst/>
+                          <a:latin typeface="メイリオ" panose="020B0604030504040204" pitchFamily="50" charset="-128"/>
+                          <a:ea typeface="メイリオ" panose="020B0604030504040204" pitchFamily="50" charset="-128"/>
+                        </a:rPr>
+                        <a:t>設定</a:t>
+                      </a:r>
+                      <a:endParaRPr lang="zh-TW" altLang="en-US" sz="700" b="0" i="0" u="none" strike="noStrike" dirty="0">
+                        <a:solidFill>
+                          <a:srgbClr val="000000"/>
+                        </a:solidFill>
+                        <a:effectLst/>
+                        <a:latin typeface="メイリオ" panose="020B0604030504040204" pitchFamily="50" charset="-128"/>
+                        <a:ea typeface="メイリオ" panose="020B0604030504040204" pitchFamily="50" charset="-128"/>
+                      </a:endParaRPr>
+                    </a:p>
+                  </a:txBody>
+                  <a:tcPr marL="6539" marR="6539" marT="6539" marB="0" vert="eaVert" anchor="ctr">
+                    <a:lnL w="6350" cap="flat" cmpd="sng" algn="ctr">
+                      <a:solidFill>
+                        <a:srgbClr val="000000"/>
+                      </a:solidFill>
+                      <a:prstDash val="solid"/>
+                      <a:round/>
+                      <a:headEnd type="none" w="med" len="med"/>
+                      <a:tailEnd type="none" w="med" len="med"/>
+                    </a:lnL>
+                    <a:lnR w="6350" cap="flat" cmpd="sng" algn="ctr">
+                      <a:solidFill>
+                        <a:srgbClr val="000000"/>
+                      </a:solidFill>
+                      <a:prstDash val="solid"/>
+                      <a:round/>
+                      <a:headEnd type="none" w="med" len="med"/>
+                      <a:tailEnd type="none" w="med" len="med"/>
+                    </a:lnR>
+                    <a:lnT w="6350" cap="flat" cmpd="sng" algn="ctr">
+                      <a:solidFill>
+                        <a:srgbClr val="000000"/>
+                      </a:solidFill>
+                      <a:prstDash val="solid"/>
+                      <a:round/>
+                      <a:headEnd type="none" w="med" len="med"/>
+                      <a:tailEnd type="none" w="med" len="med"/>
+                    </a:lnT>
+                    <a:lnB w="6350" cap="flat" cmpd="sng" algn="ctr">
+                      <a:solidFill>
+                        <a:srgbClr val="000000"/>
+                      </a:solidFill>
+                      <a:prstDash val="solid"/>
+                      <a:round/>
+                      <a:headEnd type="none" w="med" len="med"/>
+                      <a:tailEnd type="none" w="med" len="med"/>
+                    </a:lnB>
+                  </a:tcPr>
+                </a:tc>
+                <a:tc>
+                  <a:txBody>
+                    <a:bodyPr/>
+                    <a:lstStyle/>
+                    <a:p>
+                      <a:pPr algn="l" fontAlgn="t"/>
+                      <a:r>
                         <a:rPr lang="ja-JP" altLang="en-US" sz="700" b="0" i="0" u="none" strike="noStrike" dirty="0">
                           <a:solidFill>
                             <a:srgbClr val="000000"/>
@@ -5459,7 +5959,7 @@
                           <a:latin typeface="メイリオ" panose="020B0604030504040204" pitchFamily="50" charset="-128"/>
                           <a:ea typeface="メイリオ" panose="020B0604030504040204" pitchFamily="50" charset="-128"/>
                         </a:rPr>
-                        <a:t>ブロック配置の記録</a:t>
+                        <a:t>色認識</a:t>
                       </a:r>
                     </a:p>
                   </a:txBody>
@@ -5509,6 +6009,122 @@
                     <a:p>
                       <a:pPr algn="l" fontAlgn="t"/>
                       <a:r>
+                        <a:rPr lang="ja-JP" altLang="en-US" sz="700" b="0" i="0" u="none" strike="noStrike" dirty="0">
+                          <a:solidFill>
+                            <a:srgbClr val="000000"/>
+                          </a:solidFill>
+                          <a:effectLst/>
+                          <a:latin typeface="メイリオ" panose="020B0604030504040204" pitchFamily="50" charset="-128"/>
+                          <a:ea typeface="メイリオ" panose="020B0604030504040204" pitchFamily="50" charset="-128"/>
+                        </a:rPr>
+                        <a:t>アーム制御</a:t>
+                      </a:r>
+                    </a:p>
+                  </a:txBody>
+                  <a:tcPr marL="6539" marR="6539" marT="6539" marB="0" vert="eaVert" anchor="ctr">
+                    <a:lnL w="6350" cap="flat" cmpd="sng" algn="ctr">
+                      <a:solidFill>
+                        <a:srgbClr val="000000"/>
+                      </a:solidFill>
+                      <a:prstDash val="solid"/>
+                      <a:round/>
+                      <a:headEnd type="none" w="med" len="med"/>
+                      <a:tailEnd type="none" w="med" len="med"/>
+                    </a:lnL>
+                    <a:lnR w="6350" cap="flat" cmpd="sng" algn="ctr">
+                      <a:solidFill>
+                        <a:srgbClr val="000000"/>
+                      </a:solidFill>
+                      <a:prstDash val="solid"/>
+                      <a:round/>
+                      <a:headEnd type="none" w="med" len="med"/>
+                      <a:tailEnd type="none" w="med" len="med"/>
+                    </a:lnR>
+                    <a:lnT w="6350" cap="flat" cmpd="sng" algn="ctr">
+                      <a:solidFill>
+                        <a:srgbClr val="000000"/>
+                      </a:solidFill>
+                      <a:prstDash val="solid"/>
+                      <a:round/>
+                      <a:headEnd type="none" w="med" len="med"/>
+                      <a:tailEnd type="none" w="med" len="med"/>
+                    </a:lnT>
+                    <a:lnB w="6350" cap="flat" cmpd="sng" algn="ctr">
+                      <a:solidFill>
+                        <a:srgbClr val="000000"/>
+                      </a:solidFill>
+                      <a:prstDash val="solid"/>
+                      <a:round/>
+                      <a:headEnd type="none" w="med" len="med"/>
+                      <a:tailEnd type="none" w="med" len="med"/>
+                    </a:lnB>
+                  </a:tcPr>
+                </a:tc>
+                <a:tc>
+                  <a:txBody>
+                    <a:bodyPr/>
+                    <a:lstStyle/>
+                    <a:p>
+                      <a:pPr algn="l" fontAlgn="t"/>
+                      <a:r>
+                        <a:rPr lang="ja-JP" altLang="en-US" sz="700" b="0" i="0" u="none" strike="noStrike" dirty="0">
+                          <a:solidFill>
+                            <a:srgbClr val="000000"/>
+                          </a:solidFill>
+                          <a:effectLst/>
+                          <a:latin typeface="メイリオ" panose="020B0604030504040204" pitchFamily="50" charset="-128"/>
+                          <a:ea typeface="メイリオ" panose="020B0604030504040204" pitchFamily="50" charset="-128"/>
+                        </a:rPr>
+                        <a:t>向き補正走行</a:t>
+                      </a:r>
+                    </a:p>
+                  </a:txBody>
+                  <a:tcPr marL="6539" marR="6539" marT="6539" marB="0" vert="eaVert" anchor="ctr">
+                    <a:lnL w="6350" cap="flat" cmpd="sng" algn="ctr">
+                      <a:solidFill>
+                        <a:srgbClr val="000000"/>
+                      </a:solidFill>
+                      <a:prstDash val="solid"/>
+                      <a:round/>
+                      <a:headEnd type="none" w="med" len="med"/>
+                      <a:tailEnd type="none" w="med" len="med"/>
+                    </a:lnL>
+                    <a:lnR w="6350" cap="flat" cmpd="sng" algn="ctr">
+                      <a:solidFill>
+                        <a:srgbClr val="000000"/>
+                      </a:solidFill>
+                      <a:prstDash val="solid"/>
+                      <a:round/>
+                      <a:headEnd type="none" w="med" len="med"/>
+                      <a:tailEnd type="none" w="med" len="med"/>
+                    </a:lnR>
+                    <a:lnT w="6350" cap="flat" cmpd="sng" algn="ctr">
+                      <a:solidFill>
+                        <a:srgbClr val="000000"/>
+                      </a:solidFill>
+                      <a:prstDash val="solid"/>
+                      <a:round/>
+                      <a:headEnd type="none" w="med" len="med"/>
+                      <a:tailEnd type="none" w="med" len="med"/>
+                    </a:lnT>
+                    <a:lnB w="6350" cap="flat" cmpd="sng" algn="ctr">
+                      <a:solidFill>
+                        <a:srgbClr val="000000"/>
+                      </a:solidFill>
+                      <a:prstDash val="solid"/>
+                      <a:round/>
+                      <a:headEnd type="none" w="med" len="med"/>
+                      <a:tailEnd type="none" w="med" len="med"/>
+                    </a:lnB>
+                  </a:tcPr>
+                </a:tc>
+                <a:tc>
+                  <a:txBody>
+                    <a:bodyPr/>
+                    <a:lstStyle/>
+                    <a:p>
+                      <a:pPr algn="l" fontAlgn="t"/>
+                      <a:r>
                         <a:rPr lang="zh-TW" altLang="en-US" sz="700" b="0" i="0" u="none" strike="noStrike" dirty="0">
                           <a:solidFill>
                             <a:srgbClr val="000000"/>
@@ -5517,7 +6133,7 @@
                           <a:latin typeface="メイリオ" panose="020B0604030504040204" pitchFamily="50" charset="-128"/>
                           <a:ea typeface="メイリオ" panose="020B0604030504040204" pitchFamily="50" charset="-128"/>
                         </a:rPr>
-                        <a:t>自己位置推定機能</a:t>
+                        <a:t>自己位置補正</a:t>
                       </a:r>
                     </a:p>
                   </a:txBody>
@@ -5567,422 +6183,24 @@
                     <a:p>
                       <a:pPr algn="l" fontAlgn="t"/>
                       <a:r>
-                        <a:rPr lang="ja-JP" altLang="en-US" sz="700" b="0" i="0" u="none" strike="noStrike" dirty="0">
-                          <a:solidFill>
-                            <a:srgbClr val="000000"/>
-                          </a:solidFill>
-                          <a:effectLst/>
-                          <a:latin typeface="メイリオ" panose="020B0604030504040204" pitchFamily="50" charset="-128"/>
-                          <a:ea typeface="メイリオ" panose="020B0604030504040204" pitchFamily="50" charset="-128"/>
-                        </a:rPr>
-                        <a:t>最短経路算出</a:t>
-                      </a:r>
-                    </a:p>
-                  </a:txBody>
-                  <a:tcPr marL="6539" marR="6539" marT="6539" marB="0" vert="eaVert" anchor="ctr">
-                    <a:lnL w="6350" cap="flat" cmpd="sng" algn="ctr">
-                      <a:solidFill>
-                        <a:srgbClr val="000000"/>
-                      </a:solidFill>
-                      <a:prstDash val="solid"/>
-                      <a:round/>
-                      <a:headEnd type="none" w="med" len="med"/>
-                      <a:tailEnd type="none" w="med" len="med"/>
-                    </a:lnL>
-                    <a:lnR w="6350" cap="flat" cmpd="sng" algn="ctr">
-                      <a:solidFill>
-                        <a:srgbClr val="000000"/>
-                      </a:solidFill>
-                      <a:prstDash val="solid"/>
-                      <a:round/>
-                      <a:headEnd type="none" w="med" len="med"/>
-                      <a:tailEnd type="none" w="med" len="med"/>
-                    </a:lnR>
-                    <a:lnT w="6350" cap="flat" cmpd="sng" algn="ctr">
-                      <a:solidFill>
-                        <a:srgbClr val="000000"/>
-                      </a:solidFill>
-                      <a:prstDash val="solid"/>
-                      <a:round/>
-                      <a:headEnd type="none" w="med" len="med"/>
-                      <a:tailEnd type="none" w="med" len="med"/>
-                    </a:lnT>
-                    <a:lnB w="6350" cap="flat" cmpd="sng" algn="ctr">
-                      <a:solidFill>
-                        <a:srgbClr val="000000"/>
-                      </a:solidFill>
-                      <a:prstDash val="solid"/>
-                      <a:round/>
-                      <a:headEnd type="none" w="med" len="med"/>
-                      <a:tailEnd type="none" w="med" len="med"/>
-                    </a:lnB>
-                  </a:tcPr>
-                </a:tc>
-                <a:tc>
-                  <a:txBody>
-                    <a:bodyPr/>
-                    <a:lstStyle/>
-                    <a:p>
-                      <a:pPr algn="l" fontAlgn="t"/>
-                      <a:r>
-                        <a:rPr lang="zh-TW" altLang="en-US" sz="700" b="0" i="0" u="none" strike="noStrike" dirty="0">
-                          <a:solidFill>
-                            <a:srgbClr val="000000"/>
-                          </a:solidFill>
-                          <a:effectLst/>
-                          <a:latin typeface="メイリオ" panose="020B0604030504040204" pitchFamily="50" charset="-128"/>
-                          <a:ea typeface="メイリオ" panose="020B0604030504040204" pitchFamily="50" charset="-128"/>
-                        </a:rPr>
-                        <a:t>座標指定移動</a:t>
-                      </a:r>
-                    </a:p>
-                  </a:txBody>
-                  <a:tcPr marL="6539" marR="6539" marT="6539" marB="0" vert="eaVert" anchor="ctr">
-                    <a:lnL w="6350" cap="flat" cmpd="sng" algn="ctr">
-                      <a:solidFill>
-                        <a:srgbClr val="000000"/>
-                      </a:solidFill>
-                      <a:prstDash val="solid"/>
-                      <a:round/>
-                      <a:headEnd type="none" w="med" len="med"/>
-                      <a:tailEnd type="none" w="med" len="med"/>
-                    </a:lnL>
-                    <a:lnR w="6350" cap="flat" cmpd="sng" algn="ctr">
-                      <a:solidFill>
-                        <a:srgbClr val="000000"/>
-                      </a:solidFill>
-                      <a:prstDash val="solid"/>
-                      <a:round/>
-                      <a:headEnd type="none" w="med" len="med"/>
-                      <a:tailEnd type="none" w="med" len="med"/>
-                    </a:lnR>
-                    <a:lnT w="6350" cap="flat" cmpd="sng" algn="ctr">
-                      <a:solidFill>
-                        <a:srgbClr val="000000"/>
-                      </a:solidFill>
-                      <a:prstDash val="solid"/>
-                      <a:round/>
-                      <a:headEnd type="none" w="med" len="med"/>
-                      <a:tailEnd type="none" w="med" len="med"/>
-                    </a:lnT>
-                    <a:lnB w="6350" cap="flat" cmpd="sng" algn="ctr">
-                      <a:solidFill>
-                        <a:srgbClr val="000000"/>
-                      </a:solidFill>
-                      <a:prstDash val="solid"/>
-                      <a:round/>
-                      <a:headEnd type="none" w="med" len="med"/>
-                      <a:tailEnd type="none" w="med" len="med"/>
-                    </a:lnB>
-                  </a:tcPr>
-                </a:tc>
-                <a:tc>
-                  <a:txBody>
-                    <a:bodyPr/>
-                    <a:lstStyle/>
-                    <a:p>
-                      <a:pPr algn="l" fontAlgn="t"/>
-                      <a:r>
-                        <a:rPr lang="zh-TW" altLang="en-US" sz="700" b="0" i="0" u="none" strike="noStrike" dirty="0">
-                          <a:solidFill>
-                            <a:srgbClr val="000000"/>
-                          </a:solidFill>
-                          <a:effectLst/>
-                          <a:latin typeface="メイリオ" panose="020B0604030504040204" pitchFamily="50" charset="-128"/>
-                          <a:ea typeface="メイリオ" panose="020B0604030504040204" pitchFamily="50" charset="-128"/>
-                        </a:rPr>
-                        <a:t>最適速度算出</a:t>
-                      </a:r>
-                    </a:p>
-                  </a:txBody>
-                  <a:tcPr marL="6539" marR="6539" marT="6539" marB="0" vert="eaVert" anchor="ctr">
-                    <a:lnL w="6350" cap="flat" cmpd="sng" algn="ctr">
-                      <a:solidFill>
-                        <a:srgbClr val="000000"/>
-                      </a:solidFill>
-                      <a:prstDash val="solid"/>
-                      <a:round/>
-                      <a:headEnd type="none" w="med" len="med"/>
-                      <a:tailEnd type="none" w="med" len="med"/>
-                    </a:lnL>
-                    <a:lnR w="6350" cap="flat" cmpd="sng" algn="ctr">
-                      <a:solidFill>
-                        <a:srgbClr val="000000"/>
-                      </a:solidFill>
-                      <a:prstDash val="solid"/>
-                      <a:round/>
-                      <a:headEnd type="none" w="med" len="med"/>
-                      <a:tailEnd type="none" w="med" len="med"/>
-                    </a:lnR>
-                    <a:lnT w="6350" cap="flat" cmpd="sng" algn="ctr">
-                      <a:solidFill>
-                        <a:srgbClr val="000000"/>
-                      </a:solidFill>
-                      <a:prstDash val="solid"/>
-                      <a:round/>
-                      <a:headEnd type="none" w="med" len="med"/>
-                      <a:tailEnd type="none" w="med" len="med"/>
-                    </a:lnT>
-                    <a:lnB w="6350" cap="flat" cmpd="sng" algn="ctr">
-                      <a:solidFill>
-                        <a:srgbClr val="000000"/>
-                      </a:solidFill>
-                      <a:prstDash val="solid"/>
-                      <a:round/>
-                      <a:headEnd type="none" w="med" len="med"/>
-                      <a:tailEnd type="none" w="med" len="med"/>
-                    </a:lnB>
-                  </a:tcPr>
-                </a:tc>
-                <a:tc>
-                  <a:txBody>
-                    <a:bodyPr/>
-                    <a:lstStyle/>
-                    <a:p>
-                      <a:pPr algn="l" fontAlgn="t"/>
-                      <a:r>
-                        <a:rPr lang="ja-JP" altLang="en-US" sz="700" b="0" i="0" u="none" strike="noStrike" dirty="0">
-                          <a:solidFill>
-                            <a:srgbClr val="000000"/>
-                          </a:solidFill>
-                          <a:effectLst/>
-                          <a:latin typeface="メイリオ" panose="020B0604030504040204" pitchFamily="50" charset="-128"/>
-                          <a:ea typeface="メイリオ" panose="020B0604030504040204" pitchFamily="50" charset="-128"/>
-                        </a:rPr>
-                        <a:t>色認識</a:t>
-                      </a:r>
-                    </a:p>
-                  </a:txBody>
-                  <a:tcPr marL="6539" marR="6539" marT="6539" marB="0" vert="eaVert" anchor="ctr">
-                    <a:lnL w="6350" cap="flat" cmpd="sng" algn="ctr">
-                      <a:solidFill>
-                        <a:srgbClr val="000000"/>
-                      </a:solidFill>
-                      <a:prstDash val="solid"/>
-                      <a:round/>
-                      <a:headEnd type="none" w="med" len="med"/>
-                      <a:tailEnd type="none" w="med" len="med"/>
-                    </a:lnL>
-                    <a:lnR w="6350" cap="flat" cmpd="sng" algn="ctr">
-                      <a:solidFill>
-                        <a:srgbClr val="000000"/>
-                      </a:solidFill>
-                      <a:prstDash val="solid"/>
-                      <a:round/>
-                      <a:headEnd type="none" w="med" len="med"/>
-                      <a:tailEnd type="none" w="med" len="med"/>
-                    </a:lnR>
-                    <a:lnT w="6350" cap="flat" cmpd="sng" algn="ctr">
-                      <a:solidFill>
-                        <a:srgbClr val="000000"/>
-                      </a:solidFill>
-                      <a:prstDash val="solid"/>
-                      <a:round/>
-                      <a:headEnd type="none" w="med" len="med"/>
-                      <a:tailEnd type="none" w="med" len="med"/>
-                    </a:lnT>
-                    <a:lnB w="6350" cap="flat" cmpd="sng" algn="ctr">
-                      <a:solidFill>
-                        <a:srgbClr val="000000"/>
-                      </a:solidFill>
-                      <a:prstDash val="solid"/>
-                      <a:round/>
-                      <a:headEnd type="none" w="med" len="med"/>
-                      <a:tailEnd type="none" w="med" len="med"/>
-                    </a:lnB>
-                  </a:tcPr>
-                </a:tc>
-                <a:tc>
-                  <a:txBody>
-                    <a:bodyPr/>
-                    <a:lstStyle/>
-                    <a:p>
-                      <a:pPr algn="l" fontAlgn="t"/>
-                      <a:r>
-                        <a:rPr lang="ja-JP" altLang="en-US" sz="700" b="0" i="0" u="none" strike="noStrike" dirty="0">
-                          <a:solidFill>
-                            <a:srgbClr val="000000"/>
-                          </a:solidFill>
-                          <a:effectLst/>
-                          <a:latin typeface="メイリオ" panose="020B0604030504040204" pitchFamily="50" charset="-128"/>
-                          <a:ea typeface="メイリオ" panose="020B0604030504040204" pitchFamily="50" charset="-128"/>
-                        </a:rPr>
-                        <a:t>アーム制御</a:t>
-                      </a:r>
-                    </a:p>
-                  </a:txBody>
-                  <a:tcPr marL="6539" marR="6539" marT="6539" marB="0" vert="eaVert" anchor="ctr">
-                    <a:lnL w="6350" cap="flat" cmpd="sng" algn="ctr">
-                      <a:solidFill>
-                        <a:srgbClr val="000000"/>
-                      </a:solidFill>
-                      <a:prstDash val="solid"/>
-                      <a:round/>
-                      <a:headEnd type="none" w="med" len="med"/>
-                      <a:tailEnd type="none" w="med" len="med"/>
-                    </a:lnL>
-                    <a:lnR w="6350" cap="flat" cmpd="sng" algn="ctr">
-                      <a:solidFill>
-                        <a:srgbClr val="000000"/>
-                      </a:solidFill>
-                      <a:prstDash val="solid"/>
-                      <a:round/>
-                      <a:headEnd type="none" w="med" len="med"/>
-                      <a:tailEnd type="none" w="med" len="med"/>
-                    </a:lnR>
-                    <a:lnT w="6350" cap="flat" cmpd="sng" algn="ctr">
-                      <a:solidFill>
-                        <a:srgbClr val="000000"/>
-                      </a:solidFill>
-                      <a:prstDash val="solid"/>
-                      <a:round/>
-                      <a:headEnd type="none" w="med" len="med"/>
-                      <a:tailEnd type="none" w="med" len="med"/>
-                    </a:lnT>
-                    <a:lnB w="6350" cap="flat" cmpd="sng" algn="ctr">
-                      <a:solidFill>
-                        <a:srgbClr val="000000"/>
-                      </a:solidFill>
-                      <a:prstDash val="solid"/>
-                      <a:round/>
-                      <a:headEnd type="none" w="med" len="med"/>
-                      <a:tailEnd type="none" w="med" len="med"/>
-                    </a:lnB>
-                  </a:tcPr>
-                </a:tc>
-                <a:tc>
-                  <a:txBody>
-                    <a:bodyPr/>
-                    <a:lstStyle/>
-                    <a:p>
-                      <a:pPr algn="l" fontAlgn="t"/>
-                      <a:r>
-                        <a:rPr lang="ja-JP" altLang="en-US" sz="700" b="0" i="0" u="none" strike="noStrike" dirty="0">
-                          <a:solidFill>
-                            <a:srgbClr val="000000"/>
-                          </a:solidFill>
-                          <a:effectLst/>
-                          <a:latin typeface="メイリオ" panose="020B0604030504040204" pitchFamily="50" charset="-128"/>
-                          <a:ea typeface="メイリオ" panose="020B0604030504040204" pitchFamily="50" charset="-128"/>
-                        </a:rPr>
-                        <a:t>向き補正走行</a:t>
-                      </a:r>
-                    </a:p>
-                  </a:txBody>
-                  <a:tcPr marL="6539" marR="6539" marT="6539" marB="0" vert="eaVert" anchor="ctr">
-                    <a:lnL w="6350" cap="flat" cmpd="sng" algn="ctr">
-                      <a:solidFill>
-                        <a:srgbClr val="000000"/>
-                      </a:solidFill>
-                      <a:prstDash val="solid"/>
-                      <a:round/>
-                      <a:headEnd type="none" w="med" len="med"/>
-                      <a:tailEnd type="none" w="med" len="med"/>
-                    </a:lnL>
-                    <a:lnR w="6350" cap="flat" cmpd="sng" algn="ctr">
-                      <a:solidFill>
-                        <a:srgbClr val="000000"/>
-                      </a:solidFill>
-                      <a:prstDash val="solid"/>
-                      <a:round/>
-                      <a:headEnd type="none" w="med" len="med"/>
-                      <a:tailEnd type="none" w="med" len="med"/>
-                    </a:lnR>
-                    <a:lnT w="6350" cap="flat" cmpd="sng" algn="ctr">
-                      <a:solidFill>
-                        <a:srgbClr val="000000"/>
-                      </a:solidFill>
-                      <a:prstDash val="solid"/>
-                      <a:round/>
-                      <a:headEnd type="none" w="med" len="med"/>
-                      <a:tailEnd type="none" w="med" len="med"/>
-                    </a:lnT>
-                    <a:lnB w="6350" cap="flat" cmpd="sng" algn="ctr">
-                      <a:solidFill>
-                        <a:srgbClr val="000000"/>
-                      </a:solidFill>
-                      <a:prstDash val="solid"/>
-                      <a:round/>
-                      <a:headEnd type="none" w="med" len="med"/>
-                      <a:tailEnd type="none" w="med" len="med"/>
-                    </a:lnB>
-                  </a:tcPr>
-                </a:tc>
-                <a:tc>
-                  <a:txBody>
-                    <a:bodyPr/>
-                    <a:lstStyle/>
-                    <a:p>
-                      <a:pPr algn="l" fontAlgn="t"/>
-                      <a:r>
-                        <a:rPr lang="zh-TW" altLang="en-US" sz="700" b="0" i="0" u="none" strike="noStrike" dirty="0">
-                          <a:solidFill>
-                            <a:srgbClr val="000000"/>
-                          </a:solidFill>
-                          <a:effectLst/>
-                          <a:latin typeface="メイリオ" panose="020B0604030504040204" pitchFamily="50" charset="-128"/>
-                          <a:ea typeface="メイリオ" panose="020B0604030504040204" pitchFamily="50" charset="-128"/>
-                        </a:rPr>
-                        <a:t>自己位置補正</a:t>
-                      </a:r>
-                    </a:p>
-                  </a:txBody>
-                  <a:tcPr marL="6539" marR="6539" marT="6539" marB="0" vert="eaVert" anchor="ctr">
-                    <a:lnL w="6350" cap="flat" cmpd="sng" algn="ctr">
-                      <a:solidFill>
-                        <a:srgbClr val="000000"/>
-                      </a:solidFill>
-                      <a:prstDash val="solid"/>
-                      <a:round/>
-                      <a:headEnd type="none" w="med" len="med"/>
-                      <a:tailEnd type="none" w="med" len="med"/>
-                    </a:lnL>
-                    <a:lnR w="6350" cap="flat" cmpd="sng" algn="ctr">
-                      <a:solidFill>
-                        <a:srgbClr val="000000"/>
-                      </a:solidFill>
-                      <a:prstDash val="solid"/>
-                      <a:round/>
-                      <a:headEnd type="none" w="med" len="med"/>
-                      <a:tailEnd type="none" w="med" len="med"/>
-                    </a:lnR>
-                    <a:lnT w="6350" cap="flat" cmpd="sng" algn="ctr">
-                      <a:solidFill>
-                        <a:srgbClr val="000000"/>
-                      </a:solidFill>
-                      <a:prstDash val="solid"/>
-                      <a:round/>
-                      <a:headEnd type="none" w="med" len="med"/>
-                      <a:tailEnd type="none" w="med" len="med"/>
-                    </a:lnT>
-                    <a:lnB w="6350" cap="flat" cmpd="sng" algn="ctr">
-                      <a:solidFill>
-                        <a:srgbClr val="000000"/>
-                      </a:solidFill>
-                      <a:prstDash val="solid"/>
-                      <a:round/>
-                      <a:headEnd type="none" w="med" len="med"/>
-                      <a:tailEnd type="none" w="med" len="med"/>
-                    </a:lnB>
-                  </a:tcPr>
-                </a:tc>
-                <a:tc>
-                  <a:txBody>
-                    <a:bodyPr/>
-                    <a:lstStyle/>
-                    <a:p>
-                      <a:pPr algn="l" fontAlgn="t"/>
-                      <a:r>
-                        <a:rPr lang="ja-JP" altLang="en-US" sz="700" b="0" i="0" u="none" strike="noStrike" dirty="0">
-                          <a:solidFill>
-                            <a:srgbClr val="000000"/>
-                          </a:solidFill>
-                          <a:effectLst/>
-                          <a:latin typeface="メイリオ" panose="020B0604030504040204" pitchFamily="50" charset="-128"/>
-                          <a:ea typeface="メイリオ" panose="020B0604030504040204" pitchFamily="50" charset="-128"/>
-                        </a:rPr>
-                        <a:t>地図情報を使う</a:t>
-                      </a:r>
+                        <a:rPr lang="ja-JP" altLang="en-US" sz="700" b="0" i="0" u="none" strike="noStrike" dirty="0" smtClean="0">
+                          <a:solidFill>
+                            <a:srgbClr val="000000"/>
+                          </a:solidFill>
+                          <a:effectLst/>
+                          <a:latin typeface="メイリオ" panose="020B0604030504040204" pitchFamily="50" charset="-128"/>
+                          <a:ea typeface="メイリオ" panose="020B0604030504040204" pitchFamily="50" charset="-128"/>
+                        </a:rPr>
+                        <a:t>ゲームエリアと走行体の抽象化</a:t>
+                      </a:r>
+                      <a:endParaRPr lang="ja-JP" altLang="en-US" sz="700" b="0" i="0" u="none" strike="noStrike" dirty="0">
+                        <a:solidFill>
+                          <a:srgbClr val="000000"/>
+                        </a:solidFill>
+                        <a:effectLst/>
+                        <a:latin typeface="メイリオ" panose="020B0604030504040204" pitchFamily="50" charset="-128"/>
+                        <a:ea typeface="メイリオ" panose="020B0604030504040204" pitchFamily="50" charset="-128"/>
+                      </a:endParaRPr>
                     </a:p>
                   </a:txBody>
                   <a:tcPr marL="6539" marR="6539" marT="6539" marB="0" vert="eaVert" anchor="ctr">
@@ -6043,7 +6261,139 @@
                     <a:p>
                       <a:pPr algn="ctr" fontAlgn="t"/>
                       <a:r>
-                        <a:rPr lang="en-US" altLang="ja-JP" sz="700" b="0" i="0" u="none" strike="noStrike">
+                        <a:rPr lang="en-US" altLang="ja-JP" sz="700" b="0" i="0" u="none" strike="noStrike" dirty="0" smtClean="0">
+                          <a:solidFill>
+                            <a:srgbClr val="000000"/>
+                          </a:solidFill>
+                          <a:effectLst/>
+                          <a:latin typeface="メイリオ" panose="020B0604030504040204" pitchFamily="50" charset="-128"/>
+                          <a:ea typeface="メイリオ" panose="020B0604030504040204" pitchFamily="50" charset="-128"/>
+                        </a:rPr>
+                        <a:t>2-6</a:t>
+                      </a:r>
+                      <a:endParaRPr lang="en-US" altLang="ja-JP" sz="700" b="0" i="0" u="none" strike="noStrike" dirty="0">
+                        <a:solidFill>
+                          <a:srgbClr val="000000"/>
+                        </a:solidFill>
+                        <a:effectLst/>
+                        <a:latin typeface="メイリオ" panose="020B0604030504040204" pitchFamily="50" charset="-128"/>
+                        <a:ea typeface="メイリオ" panose="020B0604030504040204" pitchFamily="50" charset="-128"/>
+                      </a:endParaRPr>
+                    </a:p>
+                  </a:txBody>
+                  <a:tcPr marL="6539" marR="6539" marT="6539" marB="0">
+                    <a:lnL w="6350" cap="flat" cmpd="sng" algn="ctr">
+                      <a:solidFill>
+                        <a:srgbClr val="000000"/>
+                      </a:solidFill>
+                      <a:prstDash val="solid"/>
+                      <a:round/>
+                      <a:headEnd type="none" w="med" len="med"/>
+                      <a:tailEnd type="none" w="med" len="med"/>
+                    </a:lnL>
+                    <a:lnR w="6350" cap="flat" cmpd="sng" algn="ctr">
+                      <a:solidFill>
+                        <a:srgbClr val="000000"/>
+                      </a:solidFill>
+                      <a:prstDash val="solid"/>
+                      <a:round/>
+                      <a:headEnd type="none" w="med" len="med"/>
+                      <a:tailEnd type="none" w="med" len="med"/>
+                    </a:lnR>
+                    <a:lnT w="6350" cap="flat" cmpd="sng" algn="ctr">
+                      <a:solidFill>
+                        <a:srgbClr val="000000"/>
+                      </a:solidFill>
+                      <a:prstDash val="solid"/>
+                      <a:round/>
+                      <a:headEnd type="none" w="med" len="med"/>
+                      <a:tailEnd type="none" w="med" len="med"/>
+                    </a:lnT>
+                    <a:lnB w="25400" cap="flat" cmpd="dbl" algn="ctr">
+                      <a:solidFill>
+                        <a:srgbClr val="000000"/>
+                      </a:solidFill>
+                      <a:prstDash val="solid"/>
+                      <a:round/>
+                      <a:headEnd type="none" w="med" len="med"/>
+                      <a:tailEnd type="none" w="med" len="med"/>
+                    </a:lnB>
+                  </a:tcPr>
+                </a:tc>
+                <a:tc>
+                  <a:txBody>
+                    <a:bodyPr/>
+                    <a:lstStyle/>
+                    <a:p>
+                      <a:pPr algn="ctr" fontAlgn="t"/>
+                      <a:r>
+                        <a:rPr lang="en-US" altLang="ja-JP" sz="700" b="0" i="0" u="none" strike="noStrike" dirty="0" smtClean="0">
+                          <a:solidFill>
+                            <a:srgbClr val="000000"/>
+                          </a:solidFill>
+                          <a:effectLst/>
+                          <a:latin typeface="メイリオ" panose="020B0604030504040204" pitchFamily="50" charset="-128"/>
+                          <a:ea typeface="メイリオ" panose="020B0604030504040204" pitchFamily="50" charset="-128"/>
+                        </a:rPr>
+                        <a:t>2-5</a:t>
+                      </a:r>
+                      <a:endParaRPr lang="en-US" altLang="ja-JP" sz="700" b="0" i="0" u="none" strike="noStrike" dirty="0">
+                        <a:solidFill>
+                          <a:srgbClr val="000000"/>
+                        </a:solidFill>
+                        <a:effectLst/>
+                        <a:latin typeface="メイリオ" panose="020B0604030504040204" pitchFamily="50" charset="-128"/>
+                        <a:ea typeface="メイリオ" panose="020B0604030504040204" pitchFamily="50" charset="-128"/>
+                      </a:endParaRPr>
+                    </a:p>
+                  </a:txBody>
+                  <a:tcPr marL="6539" marR="6539" marT="6539" marB="0">
+                    <a:lnL w="6350" cap="flat" cmpd="sng" algn="ctr">
+                      <a:solidFill>
+                        <a:srgbClr val="000000"/>
+                      </a:solidFill>
+                      <a:prstDash val="solid"/>
+                      <a:round/>
+                      <a:headEnd type="none" w="med" len="med"/>
+                      <a:tailEnd type="none" w="med" len="med"/>
+                    </a:lnL>
+                    <a:lnR w="6350" cap="flat" cmpd="sng" algn="ctr">
+                      <a:solidFill>
+                        <a:srgbClr val="000000"/>
+                      </a:solidFill>
+                      <a:prstDash val="solid"/>
+                      <a:round/>
+                      <a:headEnd type="none" w="med" len="med"/>
+                      <a:tailEnd type="none" w="med" len="med"/>
+                    </a:lnR>
+                    <a:lnT w="6350" cap="flat" cmpd="sng" algn="ctr">
+                      <a:solidFill>
+                        <a:srgbClr val="000000"/>
+                      </a:solidFill>
+                      <a:prstDash val="solid"/>
+                      <a:round/>
+                      <a:headEnd type="none" w="med" len="med"/>
+                      <a:tailEnd type="none" w="med" len="med"/>
+                    </a:lnT>
+                    <a:lnB w="25400" cap="flat" cmpd="dbl" algn="ctr">
+                      <a:solidFill>
+                        <a:srgbClr val="000000"/>
+                      </a:solidFill>
+                      <a:prstDash val="solid"/>
+                      <a:round/>
+                      <a:headEnd type="none" w="med" len="med"/>
+                      <a:tailEnd type="none" w="med" len="med"/>
+                    </a:lnB>
+                  </a:tcPr>
+                </a:tc>
+                <a:tc>
+                  <a:txBody>
+                    <a:bodyPr/>
+                    <a:lstStyle/>
+                    <a:p>
+                      <a:pPr algn="ctr" fontAlgn="t"/>
+                      <a:r>
+                        <a:rPr lang="en-US" altLang="ja-JP" sz="700" b="0" i="0" u="none" strike="noStrike" dirty="0" smtClean="0">
                           <a:solidFill>
                             <a:srgbClr val="000000"/>
                           </a:solidFill>
@@ -6053,6 +6403,17 @@
                         </a:rPr>
                         <a:t>3-1</a:t>
                       </a:r>
+                      <a:r>
+                        <a:rPr lang="ja-JP" altLang="en-US" sz="700" b="0" i="0" u="none" strike="noStrike" dirty="0">
+                          <a:solidFill>
+                            <a:srgbClr val="000000"/>
+                          </a:solidFill>
+                          <a:effectLst/>
+                          <a:latin typeface="メイリオ" panose="020B0604030504040204" pitchFamily="50" charset="-128"/>
+                          <a:ea typeface="メイリオ" panose="020B0604030504040204" pitchFamily="50" charset="-128"/>
+                        </a:rPr>
+                        <a:t>　</a:t>
+                      </a:r>
                     </a:p>
                   </a:txBody>
                   <a:tcPr marL="6539" marR="6539" marT="6539" marB="0">
@@ -6101,7 +6462,349 @@
                     <a:p>
                       <a:pPr algn="ctr" fontAlgn="t"/>
                       <a:r>
-                        <a:rPr lang="en-US" altLang="ja-JP" sz="700" b="0" i="0" u="none" strike="noStrike">
+                        <a:rPr lang="en-US" altLang="ja-JP" sz="700" b="0" i="0" u="none" strike="noStrike" dirty="0" smtClean="0">
+                          <a:solidFill>
+                            <a:srgbClr val="000000"/>
+                          </a:solidFill>
+                          <a:effectLst/>
+                          <a:latin typeface="メイリオ" panose="020B0604030504040204" pitchFamily="50" charset="-128"/>
+                          <a:ea typeface="メイリオ" panose="020B0604030504040204" pitchFamily="50" charset="-128"/>
+                        </a:rPr>
+                        <a:t>2-4</a:t>
+                      </a:r>
+                      <a:r>
+                        <a:rPr lang="ja-JP" altLang="en-US" sz="700" b="0" i="0" u="none" strike="noStrike" dirty="0">
+                          <a:solidFill>
+                            <a:srgbClr val="000000"/>
+                          </a:solidFill>
+                          <a:effectLst/>
+                          <a:latin typeface="メイリオ" panose="020B0604030504040204" pitchFamily="50" charset="-128"/>
+                          <a:ea typeface="メイリオ" panose="020B0604030504040204" pitchFamily="50" charset="-128"/>
+                        </a:rPr>
+                        <a:t>　</a:t>
+                      </a:r>
+                    </a:p>
+                  </a:txBody>
+                  <a:tcPr marL="6539" marR="6539" marT="6539" marB="0">
+                    <a:lnL w="6350" cap="flat" cmpd="sng" algn="ctr">
+                      <a:solidFill>
+                        <a:srgbClr val="000000"/>
+                      </a:solidFill>
+                      <a:prstDash val="solid"/>
+                      <a:round/>
+                      <a:headEnd type="none" w="med" len="med"/>
+                      <a:tailEnd type="none" w="med" len="med"/>
+                    </a:lnL>
+                    <a:lnR w="6350" cap="flat" cmpd="sng" algn="ctr">
+                      <a:solidFill>
+                        <a:srgbClr val="000000"/>
+                      </a:solidFill>
+                      <a:prstDash val="solid"/>
+                      <a:round/>
+                      <a:headEnd type="none" w="med" len="med"/>
+                      <a:tailEnd type="none" w="med" len="med"/>
+                    </a:lnR>
+                    <a:lnT w="6350" cap="flat" cmpd="sng" algn="ctr">
+                      <a:solidFill>
+                        <a:srgbClr val="000000"/>
+                      </a:solidFill>
+                      <a:prstDash val="solid"/>
+                      <a:round/>
+                      <a:headEnd type="none" w="med" len="med"/>
+                      <a:tailEnd type="none" w="med" len="med"/>
+                    </a:lnT>
+                    <a:lnB w="25400" cap="flat" cmpd="dbl" algn="ctr">
+                      <a:solidFill>
+                        <a:srgbClr val="000000"/>
+                      </a:solidFill>
+                      <a:prstDash val="solid"/>
+                      <a:round/>
+                      <a:headEnd type="none" w="med" len="med"/>
+                      <a:tailEnd type="none" w="med" len="med"/>
+                    </a:lnB>
+                  </a:tcPr>
+                </a:tc>
+                <a:tc>
+                  <a:txBody>
+                    <a:bodyPr/>
+                    <a:lstStyle/>
+                    <a:p>
+                      <a:pPr algn="ctr" fontAlgn="t"/>
+                      <a:r>
+                        <a:rPr lang="en-US" altLang="ja-JP" sz="700" b="0" i="0" u="none" strike="noStrike" dirty="0" smtClean="0">
+                          <a:solidFill>
+                            <a:srgbClr val="000000"/>
+                          </a:solidFill>
+                          <a:effectLst/>
+                          <a:latin typeface="メイリオ" panose="020B0604030504040204" pitchFamily="50" charset="-128"/>
+                          <a:ea typeface="メイリオ" panose="020B0604030504040204" pitchFamily="50" charset="-128"/>
+                        </a:rPr>
+                        <a:t>3-3</a:t>
+                      </a:r>
+                      <a:endParaRPr lang="ja-JP" altLang="en-US" sz="700" b="0" i="0" u="none" strike="noStrike" dirty="0">
+                        <a:solidFill>
+                          <a:srgbClr val="000000"/>
+                        </a:solidFill>
+                        <a:effectLst/>
+                        <a:latin typeface="メイリオ" panose="020B0604030504040204" pitchFamily="50" charset="-128"/>
+                        <a:ea typeface="メイリオ" panose="020B0604030504040204" pitchFamily="50" charset="-128"/>
+                      </a:endParaRPr>
+                    </a:p>
+                  </a:txBody>
+                  <a:tcPr marL="6539" marR="6539" marT="6539" marB="0">
+                    <a:lnL w="6350" cap="flat" cmpd="sng" algn="ctr">
+                      <a:solidFill>
+                        <a:srgbClr val="000000"/>
+                      </a:solidFill>
+                      <a:prstDash val="solid"/>
+                      <a:round/>
+                      <a:headEnd type="none" w="med" len="med"/>
+                      <a:tailEnd type="none" w="med" len="med"/>
+                    </a:lnL>
+                    <a:lnR w="6350" cap="flat" cmpd="sng" algn="ctr">
+                      <a:solidFill>
+                        <a:srgbClr val="000000"/>
+                      </a:solidFill>
+                      <a:prstDash val="solid"/>
+                      <a:round/>
+                      <a:headEnd type="none" w="med" len="med"/>
+                      <a:tailEnd type="none" w="med" len="med"/>
+                    </a:lnR>
+                    <a:lnT w="6350" cap="flat" cmpd="sng" algn="ctr">
+                      <a:solidFill>
+                        <a:srgbClr val="000000"/>
+                      </a:solidFill>
+                      <a:prstDash val="solid"/>
+                      <a:round/>
+                      <a:headEnd type="none" w="med" len="med"/>
+                      <a:tailEnd type="none" w="med" len="med"/>
+                    </a:lnT>
+                    <a:lnB w="25400" cap="flat" cmpd="dbl" algn="ctr">
+                      <a:solidFill>
+                        <a:srgbClr val="000000"/>
+                      </a:solidFill>
+                      <a:prstDash val="solid"/>
+                      <a:round/>
+                      <a:headEnd type="none" w="med" len="med"/>
+                      <a:tailEnd type="none" w="med" len="med"/>
+                    </a:lnB>
+                  </a:tcPr>
+                </a:tc>
+                <a:tc>
+                  <a:txBody>
+                    <a:bodyPr/>
+                    <a:lstStyle/>
+                    <a:p>
+                      <a:pPr algn="ctr" fontAlgn="t"/>
+                      <a:r>
+                        <a:rPr lang="en-US" altLang="ja-JP" sz="700" b="0" i="0" u="none" strike="noStrike" dirty="0" smtClean="0">
+                          <a:solidFill>
+                            <a:srgbClr val="000000"/>
+                          </a:solidFill>
+                          <a:effectLst/>
+                          <a:latin typeface="メイリオ" panose="020B0604030504040204" pitchFamily="50" charset="-128"/>
+                          <a:ea typeface="メイリオ" panose="020B0604030504040204" pitchFamily="50" charset="-128"/>
+                        </a:rPr>
+                        <a:t>3-6</a:t>
+                      </a:r>
+                      <a:r>
+                        <a:rPr lang="ja-JP" altLang="en-US" sz="700" b="0" i="0" u="none" strike="noStrike" dirty="0">
+                          <a:solidFill>
+                            <a:srgbClr val="000000"/>
+                          </a:solidFill>
+                          <a:effectLst/>
+                          <a:latin typeface="メイリオ" panose="020B0604030504040204" pitchFamily="50" charset="-128"/>
+                          <a:ea typeface="メイリオ" panose="020B0604030504040204" pitchFamily="50" charset="-128"/>
+                        </a:rPr>
+                        <a:t>　</a:t>
+                      </a:r>
+                    </a:p>
+                  </a:txBody>
+                  <a:tcPr marL="6539" marR="6539" marT="6539" marB="0">
+                    <a:lnL w="6350" cap="flat" cmpd="sng" algn="ctr">
+                      <a:solidFill>
+                        <a:srgbClr val="000000"/>
+                      </a:solidFill>
+                      <a:prstDash val="solid"/>
+                      <a:round/>
+                      <a:headEnd type="none" w="med" len="med"/>
+                      <a:tailEnd type="none" w="med" len="med"/>
+                    </a:lnL>
+                    <a:lnR w="6350" cap="flat" cmpd="sng" algn="ctr">
+                      <a:solidFill>
+                        <a:srgbClr val="000000"/>
+                      </a:solidFill>
+                      <a:prstDash val="solid"/>
+                      <a:round/>
+                      <a:headEnd type="none" w="med" len="med"/>
+                      <a:tailEnd type="none" w="med" len="med"/>
+                    </a:lnR>
+                    <a:lnT w="6350" cap="flat" cmpd="sng" algn="ctr">
+                      <a:solidFill>
+                        <a:srgbClr val="000000"/>
+                      </a:solidFill>
+                      <a:prstDash val="solid"/>
+                      <a:round/>
+                      <a:headEnd type="none" w="med" len="med"/>
+                      <a:tailEnd type="none" w="med" len="med"/>
+                    </a:lnT>
+                    <a:lnB w="25400" cap="flat" cmpd="dbl" algn="ctr">
+                      <a:solidFill>
+                        <a:srgbClr val="000000"/>
+                      </a:solidFill>
+                      <a:prstDash val="solid"/>
+                      <a:round/>
+                      <a:headEnd type="none" w="med" len="med"/>
+                      <a:tailEnd type="none" w="med" len="med"/>
+                    </a:lnB>
+                  </a:tcPr>
+                </a:tc>
+                <a:tc>
+                  <a:txBody>
+                    <a:bodyPr/>
+                    <a:lstStyle/>
+                    <a:p>
+                      <a:pPr algn="ctr" fontAlgn="t"/>
+                      <a:r>
+                        <a:rPr lang="en-US" altLang="ja-JP" sz="700" b="0" i="0" u="none" strike="noStrike" dirty="0" smtClean="0">
+                          <a:solidFill>
+                            <a:srgbClr val="000000"/>
+                          </a:solidFill>
+                          <a:effectLst/>
+                          <a:latin typeface="メイリオ" panose="020B0604030504040204" pitchFamily="50" charset="-128"/>
+                          <a:ea typeface="メイリオ" panose="020B0604030504040204" pitchFamily="50" charset="-128"/>
+                        </a:rPr>
+                        <a:t>3-5</a:t>
+                      </a:r>
+                      <a:r>
+                        <a:rPr lang="ja-JP" altLang="en-US" sz="700" b="0" i="0" u="none" strike="noStrike" dirty="0">
+                          <a:solidFill>
+                            <a:srgbClr val="000000"/>
+                          </a:solidFill>
+                          <a:effectLst/>
+                          <a:latin typeface="メイリオ" panose="020B0604030504040204" pitchFamily="50" charset="-128"/>
+                          <a:ea typeface="メイリオ" panose="020B0604030504040204" pitchFamily="50" charset="-128"/>
+                        </a:rPr>
+                        <a:t>　</a:t>
+                      </a:r>
+                    </a:p>
+                  </a:txBody>
+                  <a:tcPr marL="6539" marR="6539" marT="6539" marB="0">
+                    <a:lnL w="6350" cap="flat" cmpd="sng" algn="ctr">
+                      <a:solidFill>
+                        <a:srgbClr val="000000"/>
+                      </a:solidFill>
+                      <a:prstDash val="solid"/>
+                      <a:round/>
+                      <a:headEnd type="none" w="med" len="med"/>
+                      <a:tailEnd type="none" w="med" len="med"/>
+                    </a:lnL>
+                    <a:lnR w="6350" cap="flat" cmpd="sng" algn="ctr">
+                      <a:solidFill>
+                        <a:srgbClr val="000000"/>
+                      </a:solidFill>
+                      <a:prstDash val="solid"/>
+                      <a:round/>
+                      <a:headEnd type="none" w="med" len="med"/>
+                      <a:tailEnd type="none" w="med" len="med"/>
+                    </a:lnR>
+                    <a:lnT w="6350" cap="flat" cmpd="sng" algn="ctr">
+                      <a:solidFill>
+                        <a:srgbClr val="000000"/>
+                      </a:solidFill>
+                      <a:prstDash val="solid"/>
+                      <a:round/>
+                      <a:headEnd type="none" w="med" len="med"/>
+                      <a:tailEnd type="none" w="med" len="med"/>
+                    </a:lnT>
+                    <a:lnB w="25400" cap="flat" cmpd="dbl" algn="ctr">
+                      <a:solidFill>
+                        <a:srgbClr val="000000"/>
+                      </a:solidFill>
+                      <a:prstDash val="solid"/>
+                      <a:round/>
+                      <a:headEnd type="none" w="med" len="med"/>
+                      <a:tailEnd type="none" w="med" len="med"/>
+                    </a:lnB>
+                  </a:tcPr>
+                </a:tc>
+                <a:tc>
+                  <a:txBody>
+                    <a:bodyPr/>
+                    <a:lstStyle/>
+                    <a:p>
+                      <a:pPr algn="ctr" fontAlgn="t"/>
+                      <a:r>
+                        <a:rPr lang="en-US" altLang="ja-JP" sz="700" b="0" i="0" u="none" strike="noStrike" dirty="0" smtClean="0">
+                          <a:solidFill>
+                            <a:srgbClr val="000000"/>
+                          </a:solidFill>
+                          <a:effectLst/>
+                          <a:latin typeface="メイリオ" panose="020B0604030504040204" pitchFamily="50" charset="-128"/>
+                          <a:ea typeface="メイリオ" panose="020B0604030504040204" pitchFamily="50" charset="-128"/>
+                        </a:rPr>
+                        <a:t>3-5</a:t>
+                      </a:r>
+                      <a:r>
+                        <a:rPr lang="ja-JP" altLang="en-US" sz="700" b="0" i="0" u="none" strike="noStrike" dirty="0">
+                          <a:solidFill>
+                            <a:srgbClr val="000000"/>
+                          </a:solidFill>
+                          <a:effectLst/>
+                          <a:latin typeface="メイリオ" panose="020B0604030504040204" pitchFamily="50" charset="-128"/>
+                          <a:ea typeface="メイリオ" panose="020B0604030504040204" pitchFamily="50" charset="-128"/>
+                        </a:rPr>
+                        <a:t>　</a:t>
+                      </a:r>
+                    </a:p>
+                  </a:txBody>
+                  <a:tcPr marL="6539" marR="6539" marT="6539" marB="0">
+                    <a:lnL w="6350" cap="flat" cmpd="sng" algn="ctr">
+                      <a:solidFill>
+                        <a:srgbClr val="000000"/>
+                      </a:solidFill>
+                      <a:prstDash val="solid"/>
+                      <a:round/>
+                      <a:headEnd type="none" w="med" len="med"/>
+                      <a:tailEnd type="none" w="med" len="med"/>
+                    </a:lnL>
+                    <a:lnR w="6350" cap="flat" cmpd="sng" algn="ctr">
+                      <a:solidFill>
+                        <a:srgbClr val="000000"/>
+                      </a:solidFill>
+                      <a:prstDash val="solid"/>
+                      <a:round/>
+                      <a:headEnd type="none" w="med" len="med"/>
+                      <a:tailEnd type="none" w="med" len="med"/>
+                    </a:lnR>
+                    <a:lnT w="6350" cap="flat" cmpd="sng" algn="ctr">
+                      <a:solidFill>
+                        <a:srgbClr val="000000"/>
+                      </a:solidFill>
+                      <a:prstDash val="solid"/>
+                      <a:round/>
+                      <a:headEnd type="none" w="med" len="med"/>
+                      <a:tailEnd type="none" w="med" len="med"/>
+                    </a:lnT>
+                    <a:lnB w="25400" cap="flat" cmpd="dbl" algn="ctr">
+                      <a:solidFill>
+                        <a:srgbClr val="000000"/>
+                      </a:solidFill>
+                      <a:prstDash val="solid"/>
+                      <a:round/>
+                      <a:headEnd type="none" w="med" len="med"/>
+                      <a:tailEnd type="none" w="med" len="med"/>
+                    </a:lnB>
+                  </a:tcPr>
+                </a:tc>
+                <a:tc>
+                  <a:txBody>
+                    <a:bodyPr/>
+                    <a:lstStyle/>
+                    <a:p>
+                      <a:pPr algn="ctr" fontAlgn="t"/>
+                      <a:r>
+                        <a:rPr lang="en-US" altLang="ja-JP" sz="700" b="0" i="0" u="none" strike="noStrike" dirty="0" smtClean="0">
                           <a:solidFill>
                             <a:srgbClr val="000000"/>
                           </a:solidFill>
@@ -6111,6 +6814,17 @@
                         </a:rPr>
                         <a:t>3-4</a:t>
                       </a:r>
+                      <a:r>
+                        <a:rPr lang="ja-JP" altLang="en-US" sz="700" b="0" i="0" u="none" strike="noStrike" dirty="0">
+                          <a:solidFill>
+                            <a:srgbClr val="000000"/>
+                          </a:solidFill>
+                          <a:effectLst/>
+                          <a:latin typeface="メイリオ" panose="020B0604030504040204" pitchFamily="50" charset="-128"/>
+                          <a:ea typeface="メイリオ" panose="020B0604030504040204" pitchFamily="50" charset="-128"/>
+                        </a:rPr>
+                        <a:t>　</a:t>
+                      </a:r>
                     </a:p>
                   </a:txBody>
                   <a:tcPr marL="6539" marR="6539" marT="6539" marB="0">
@@ -6159,7 +6873,18 @@
                     <a:p>
                       <a:pPr algn="ctr" fontAlgn="t"/>
                       <a:r>
-                        <a:rPr lang="ja-JP" altLang="en-US" sz="700" b="0" i="0" u="none" strike="noStrike">
+                        <a:rPr lang="en-US" altLang="ja-JP" sz="700" b="0" i="0" u="none" strike="noStrike" dirty="0" smtClean="0">
+                          <a:solidFill>
+                            <a:srgbClr val="000000"/>
+                          </a:solidFill>
+                          <a:effectLst/>
+                          <a:latin typeface="メイリオ" panose="020B0604030504040204" pitchFamily="50" charset="-128"/>
+                          <a:ea typeface="メイリオ" panose="020B0604030504040204" pitchFamily="50" charset="-128"/>
+                        </a:rPr>
+                        <a:t>3-2</a:t>
+                      </a:r>
+                      <a:r>
+                        <a:rPr lang="ja-JP" altLang="en-US" sz="700" b="0" i="0" u="none" strike="noStrike" dirty="0">
                           <a:solidFill>
                             <a:srgbClr val="000000"/>
                           </a:solidFill>
@@ -6217,413 +6942,18 @@
                     <a:p>
                       <a:pPr algn="ctr" fontAlgn="t"/>
                       <a:r>
-                        <a:rPr lang="ja-JP" altLang="en-US" sz="700" b="0" i="0" u="none" strike="noStrike">
-                          <a:solidFill>
-                            <a:srgbClr val="000000"/>
-                          </a:solidFill>
-                          <a:effectLst/>
-                          <a:latin typeface="メイリオ" panose="020B0604030504040204" pitchFamily="50" charset="-128"/>
-                          <a:ea typeface="メイリオ" panose="020B0604030504040204" pitchFamily="50" charset="-128"/>
-                        </a:rPr>
-                        <a:t>　</a:t>
-                      </a:r>
-                    </a:p>
-                  </a:txBody>
-                  <a:tcPr marL="6539" marR="6539" marT="6539" marB="0">
-                    <a:lnL w="6350" cap="flat" cmpd="sng" algn="ctr">
-                      <a:solidFill>
-                        <a:srgbClr val="000000"/>
-                      </a:solidFill>
-                      <a:prstDash val="solid"/>
-                      <a:round/>
-                      <a:headEnd type="none" w="med" len="med"/>
-                      <a:tailEnd type="none" w="med" len="med"/>
-                    </a:lnL>
-                    <a:lnR w="6350" cap="flat" cmpd="sng" algn="ctr">
-                      <a:solidFill>
-                        <a:srgbClr val="000000"/>
-                      </a:solidFill>
-                      <a:prstDash val="solid"/>
-                      <a:round/>
-                      <a:headEnd type="none" w="med" len="med"/>
-                      <a:tailEnd type="none" w="med" len="med"/>
-                    </a:lnR>
-                    <a:lnT w="6350" cap="flat" cmpd="sng" algn="ctr">
-                      <a:solidFill>
-                        <a:srgbClr val="000000"/>
-                      </a:solidFill>
-                      <a:prstDash val="solid"/>
-                      <a:round/>
-                      <a:headEnd type="none" w="med" len="med"/>
-                      <a:tailEnd type="none" w="med" len="med"/>
-                    </a:lnT>
-                    <a:lnB w="25400" cap="flat" cmpd="dbl" algn="ctr">
-                      <a:solidFill>
-                        <a:srgbClr val="000000"/>
-                      </a:solidFill>
-                      <a:prstDash val="solid"/>
-                      <a:round/>
-                      <a:headEnd type="none" w="med" len="med"/>
-                      <a:tailEnd type="none" w="med" len="med"/>
-                    </a:lnB>
-                  </a:tcPr>
-                </a:tc>
-                <a:tc>
-                  <a:txBody>
-                    <a:bodyPr/>
-                    <a:lstStyle/>
-                    <a:p>
-                      <a:pPr algn="ctr" fontAlgn="t"/>
-                      <a:r>
-                        <a:rPr lang="ja-JP" altLang="en-US" sz="700" b="0" i="0" u="none" strike="noStrike">
-                          <a:solidFill>
-                            <a:srgbClr val="000000"/>
-                          </a:solidFill>
-                          <a:effectLst/>
-                          <a:latin typeface="メイリオ" panose="020B0604030504040204" pitchFamily="50" charset="-128"/>
-                          <a:ea typeface="メイリオ" panose="020B0604030504040204" pitchFamily="50" charset="-128"/>
-                        </a:rPr>
-                        <a:t>　</a:t>
-                      </a:r>
-                    </a:p>
-                  </a:txBody>
-                  <a:tcPr marL="6539" marR="6539" marT="6539" marB="0">
-                    <a:lnL w="6350" cap="flat" cmpd="sng" algn="ctr">
-                      <a:solidFill>
-                        <a:srgbClr val="000000"/>
-                      </a:solidFill>
-                      <a:prstDash val="solid"/>
-                      <a:round/>
-                      <a:headEnd type="none" w="med" len="med"/>
-                      <a:tailEnd type="none" w="med" len="med"/>
-                    </a:lnL>
-                    <a:lnR w="6350" cap="flat" cmpd="sng" algn="ctr">
-                      <a:solidFill>
-                        <a:srgbClr val="000000"/>
-                      </a:solidFill>
-                      <a:prstDash val="solid"/>
-                      <a:round/>
-                      <a:headEnd type="none" w="med" len="med"/>
-                      <a:tailEnd type="none" w="med" len="med"/>
-                    </a:lnR>
-                    <a:lnT w="6350" cap="flat" cmpd="sng" algn="ctr">
-                      <a:solidFill>
-                        <a:srgbClr val="000000"/>
-                      </a:solidFill>
-                      <a:prstDash val="solid"/>
-                      <a:round/>
-                      <a:headEnd type="none" w="med" len="med"/>
-                      <a:tailEnd type="none" w="med" len="med"/>
-                    </a:lnT>
-                    <a:lnB w="25400" cap="flat" cmpd="dbl" algn="ctr">
-                      <a:solidFill>
-                        <a:srgbClr val="000000"/>
-                      </a:solidFill>
-                      <a:prstDash val="solid"/>
-                      <a:round/>
-                      <a:headEnd type="none" w="med" len="med"/>
-                      <a:tailEnd type="none" w="med" len="med"/>
-                    </a:lnB>
-                  </a:tcPr>
-                </a:tc>
-                <a:tc>
-                  <a:txBody>
-                    <a:bodyPr/>
-                    <a:lstStyle/>
-                    <a:p>
-                      <a:pPr algn="ctr" fontAlgn="t"/>
-                      <a:r>
-                        <a:rPr lang="ja-JP" altLang="en-US" sz="700" b="0" i="0" u="none" strike="noStrike">
-                          <a:solidFill>
-                            <a:srgbClr val="000000"/>
-                          </a:solidFill>
-                          <a:effectLst/>
-                          <a:latin typeface="メイリオ" panose="020B0604030504040204" pitchFamily="50" charset="-128"/>
-                          <a:ea typeface="メイリオ" panose="020B0604030504040204" pitchFamily="50" charset="-128"/>
-                        </a:rPr>
-                        <a:t>　</a:t>
-                      </a:r>
-                    </a:p>
-                  </a:txBody>
-                  <a:tcPr marL="6539" marR="6539" marT="6539" marB="0">
-                    <a:lnL w="6350" cap="flat" cmpd="sng" algn="ctr">
-                      <a:solidFill>
-                        <a:srgbClr val="000000"/>
-                      </a:solidFill>
-                      <a:prstDash val="solid"/>
-                      <a:round/>
-                      <a:headEnd type="none" w="med" len="med"/>
-                      <a:tailEnd type="none" w="med" len="med"/>
-                    </a:lnL>
-                    <a:lnR w="6350" cap="flat" cmpd="sng" algn="ctr">
-                      <a:solidFill>
-                        <a:srgbClr val="000000"/>
-                      </a:solidFill>
-                      <a:prstDash val="solid"/>
-                      <a:round/>
-                      <a:headEnd type="none" w="med" len="med"/>
-                      <a:tailEnd type="none" w="med" len="med"/>
-                    </a:lnR>
-                    <a:lnT w="6350" cap="flat" cmpd="sng" algn="ctr">
-                      <a:solidFill>
-                        <a:srgbClr val="000000"/>
-                      </a:solidFill>
-                      <a:prstDash val="solid"/>
-                      <a:round/>
-                      <a:headEnd type="none" w="med" len="med"/>
-                      <a:tailEnd type="none" w="med" len="med"/>
-                    </a:lnT>
-                    <a:lnB w="25400" cap="flat" cmpd="dbl" algn="ctr">
-                      <a:solidFill>
-                        <a:srgbClr val="000000"/>
-                      </a:solidFill>
-                      <a:prstDash val="solid"/>
-                      <a:round/>
-                      <a:headEnd type="none" w="med" len="med"/>
-                      <a:tailEnd type="none" w="med" len="med"/>
-                    </a:lnB>
-                  </a:tcPr>
-                </a:tc>
-                <a:tc>
-                  <a:txBody>
-                    <a:bodyPr/>
-                    <a:lstStyle/>
-                    <a:p>
-                      <a:pPr algn="ctr" fontAlgn="t"/>
-                      <a:r>
-                        <a:rPr lang="ja-JP" altLang="en-US" sz="700" b="0" i="0" u="none" strike="noStrike">
-                          <a:solidFill>
-                            <a:srgbClr val="000000"/>
-                          </a:solidFill>
-                          <a:effectLst/>
-                          <a:latin typeface="メイリオ" panose="020B0604030504040204" pitchFamily="50" charset="-128"/>
-                          <a:ea typeface="メイリオ" panose="020B0604030504040204" pitchFamily="50" charset="-128"/>
-                        </a:rPr>
-                        <a:t>　</a:t>
-                      </a:r>
-                    </a:p>
-                  </a:txBody>
-                  <a:tcPr marL="6539" marR="6539" marT="6539" marB="0">
-                    <a:lnL w="6350" cap="flat" cmpd="sng" algn="ctr">
-                      <a:solidFill>
-                        <a:srgbClr val="000000"/>
-                      </a:solidFill>
-                      <a:prstDash val="solid"/>
-                      <a:round/>
-                      <a:headEnd type="none" w="med" len="med"/>
-                      <a:tailEnd type="none" w="med" len="med"/>
-                    </a:lnL>
-                    <a:lnR w="6350" cap="flat" cmpd="sng" algn="ctr">
-                      <a:solidFill>
-                        <a:srgbClr val="000000"/>
-                      </a:solidFill>
-                      <a:prstDash val="solid"/>
-                      <a:round/>
-                      <a:headEnd type="none" w="med" len="med"/>
-                      <a:tailEnd type="none" w="med" len="med"/>
-                    </a:lnR>
-                    <a:lnT w="6350" cap="flat" cmpd="sng" algn="ctr">
-                      <a:solidFill>
-                        <a:srgbClr val="000000"/>
-                      </a:solidFill>
-                      <a:prstDash val="solid"/>
-                      <a:round/>
-                      <a:headEnd type="none" w="med" len="med"/>
-                      <a:tailEnd type="none" w="med" len="med"/>
-                    </a:lnT>
-                    <a:lnB w="25400" cap="flat" cmpd="dbl" algn="ctr">
-                      <a:solidFill>
-                        <a:srgbClr val="000000"/>
-                      </a:solidFill>
-                      <a:prstDash val="solid"/>
-                      <a:round/>
-                      <a:headEnd type="none" w="med" len="med"/>
-                      <a:tailEnd type="none" w="med" len="med"/>
-                    </a:lnB>
-                  </a:tcPr>
-                </a:tc>
-                <a:tc>
-                  <a:txBody>
-                    <a:bodyPr/>
-                    <a:lstStyle/>
-                    <a:p>
-                      <a:pPr algn="ctr" fontAlgn="t"/>
-                      <a:r>
-                        <a:rPr lang="ja-JP" altLang="en-US" sz="700" b="0" i="0" u="none" strike="noStrike">
-                          <a:solidFill>
-                            <a:srgbClr val="000000"/>
-                          </a:solidFill>
-                          <a:effectLst/>
-                          <a:latin typeface="メイリオ" panose="020B0604030504040204" pitchFamily="50" charset="-128"/>
-                          <a:ea typeface="メイリオ" panose="020B0604030504040204" pitchFamily="50" charset="-128"/>
-                        </a:rPr>
-                        <a:t>　</a:t>
-                      </a:r>
-                    </a:p>
-                  </a:txBody>
-                  <a:tcPr marL="6539" marR="6539" marT="6539" marB="0">
-                    <a:lnL w="6350" cap="flat" cmpd="sng" algn="ctr">
-                      <a:solidFill>
-                        <a:srgbClr val="000000"/>
-                      </a:solidFill>
-                      <a:prstDash val="solid"/>
-                      <a:round/>
-                      <a:headEnd type="none" w="med" len="med"/>
-                      <a:tailEnd type="none" w="med" len="med"/>
-                    </a:lnL>
-                    <a:lnR w="6350" cap="flat" cmpd="sng" algn="ctr">
-                      <a:solidFill>
-                        <a:srgbClr val="000000"/>
-                      </a:solidFill>
-                      <a:prstDash val="solid"/>
-                      <a:round/>
-                      <a:headEnd type="none" w="med" len="med"/>
-                      <a:tailEnd type="none" w="med" len="med"/>
-                    </a:lnR>
-                    <a:lnT w="6350" cap="flat" cmpd="sng" algn="ctr">
-                      <a:solidFill>
-                        <a:srgbClr val="000000"/>
-                      </a:solidFill>
-                      <a:prstDash val="solid"/>
-                      <a:round/>
-                      <a:headEnd type="none" w="med" len="med"/>
-                      <a:tailEnd type="none" w="med" len="med"/>
-                    </a:lnT>
-                    <a:lnB w="25400" cap="flat" cmpd="dbl" algn="ctr">
-                      <a:solidFill>
-                        <a:srgbClr val="000000"/>
-                      </a:solidFill>
-                      <a:prstDash val="solid"/>
-                      <a:round/>
-                      <a:headEnd type="none" w="med" len="med"/>
-                      <a:tailEnd type="none" w="med" len="med"/>
-                    </a:lnB>
-                  </a:tcPr>
-                </a:tc>
-                <a:tc>
-                  <a:txBody>
-                    <a:bodyPr/>
-                    <a:lstStyle/>
-                    <a:p>
-                      <a:pPr algn="ctr" fontAlgn="t"/>
-                      <a:r>
-                        <a:rPr lang="ja-JP" altLang="en-US" sz="700" b="0" i="0" u="none" strike="noStrike">
-                          <a:solidFill>
-                            <a:srgbClr val="000000"/>
-                          </a:solidFill>
-                          <a:effectLst/>
-                          <a:latin typeface="メイリオ" panose="020B0604030504040204" pitchFamily="50" charset="-128"/>
-                          <a:ea typeface="メイリオ" panose="020B0604030504040204" pitchFamily="50" charset="-128"/>
-                        </a:rPr>
-                        <a:t>　</a:t>
-                      </a:r>
-                    </a:p>
-                  </a:txBody>
-                  <a:tcPr marL="6539" marR="6539" marT="6539" marB="0">
-                    <a:lnL w="6350" cap="flat" cmpd="sng" algn="ctr">
-                      <a:solidFill>
-                        <a:srgbClr val="000000"/>
-                      </a:solidFill>
-                      <a:prstDash val="solid"/>
-                      <a:round/>
-                      <a:headEnd type="none" w="med" len="med"/>
-                      <a:tailEnd type="none" w="med" len="med"/>
-                    </a:lnL>
-                    <a:lnR w="6350" cap="flat" cmpd="sng" algn="ctr">
-                      <a:solidFill>
-                        <a:srgbClr val="000000"/>
-                      </a:solidFill>
-                      <a:prstDash val="solid"/>
-                      <a:round/>
-                      <a:headEnd type="none" w="med" len="med"/>
-                      <a:tailEnd type="none" w="med" len="med"/>
-                    </a:lnR>
-                    <a:lnT w="6350" cap="flat" cmpd="sng" algn="ctr">
-                      <a:solidFill>
-                        <a:srgbClr val="000000"/>
-                      </a:solidFill>
-                      <a:prstDash val="solid"/>
-                      <a:round/>
-                      <a:headEnd type="none" w="med" len="med"/>
-                      <a:tailEnd type="none" w="med" len="med"/>
-                    </a:lnT>
-                    <a:lnB w="25400" cap="flat" cmpd="dbl" algn="ctr">
-                      <a:solidFill>
-                        <a:srgbClr val="000000"/>
-                      </a:solidFill>
-                      <a:prstDash val="solid"/>
-                      <a:round/>
-                      <a:headEnd type="none" w="med" len="med"/>
-                      <a:tailEnd type="none" w="med" len="med"/>
-                    </a:lnB>
-                  </a:tcPr>
-                </a:tc>
-                <a:tc>
-                  <a:txBody>
-                    <a:bodyPr/>
-                    <a:lstStyle/>
-                    <a:p>
-                      <a:pPr algn="ctr" fontAlgn="t"/>
-                      <a:r>
-                        <a:rPr lang="ja-JP" altLang="en-US" sz="700" b="0" i="0" u="none" strike="noStrike">
-                          <a:solidFill>
-                            <a:srgbClr val="000000"/>
-                          </a:solidFill>
-                          <a:effectLst/>
-                          <a:latin typeface="メイリオ" panose="020B0604030504040204" pitchFamily="50" charset="-128"/>
-                          <a:ea typeface="メイリオ" panose="020B0604030504040204" pitchFamily="50" charset="-128"/>
-                        </a:rPr>
-                        <a:t>　</a:t>
-                      </a:r>
-                    </a:p>
-                  </a:txBody>
-                  <a:tcPr marL="6539" marR="6539" marT="6539" marB="0">
-                    <a:lnL w="6350" cap="flat" cmpd="sng" algn="ctr">
-                      <a:solidFill>
-                        <a:srgbClr val="000000"/>
-                      </a:solidFill>
-                      <a:prstDash val="solid"/>
-                      <a:round/>
-                      <a:headEnd type="none" w="med" len="med"/>
-                      <a:tailEnd type="none" w="med" len="med"/>
-                    </a:lnL>
-                    <a:lnR w="6350" cap="flat" cmpd="sng" algn="ctr">
-                      <a:solidFill>
-                        <a:srgbClr val="000000"/>
-                      </a:solidFill>
-                      <a:prstDash val="solid"/>
-                      <a:round/>
-                      <a:headEnd type="none" w="med" len="med"/>
-                      <a:tailEnd type="none" w="med" len="med"/>
-                    </a:lnR>
-                    <a:lnT w="6350" cap="flat" cmpd="sng" algn="ctr">
-                      <a:solidFill>
-                        <a:srgbClr val="000000"/>
-                      </a:solidFill>
-                      <a:prstDash val="solid"/>
-                      <a:round/>
-                      <a:headEnd type="none" w="med" len="med"/>
-                      <a:tailEnd type="none" w="med" len="med"/>
-                    </a:lnT>
-                    <a:lnB w="25400" cap="flat" cmpd="dbl" algn="ctr">
-                      <a:solidFill>
-                        <a:srgbClr val="000000"/>
-                      </a:solidFill>
-                      <a:prstDash val="solid"/>
-                      <a:round/>
-                      <a:headEnd type="none" w="med" len="med"/>
-                      <a:tailEnd type="none" w="med" len="med"/>
-                    </a:lnB>
-                  </a:tcPr>
-                </a:tc>
-                <a:tc>
-                  <a:txBody>
-                    <a:bodyPr/>
-                    <a:lstStyle/>
-                    <a:p>
-                      <a:pPr algn="ctr" fontAlgn="t"/>
-                      <a:r>
-                        <a:rPr lang="ja-JP" altLang="en-US" sz="700" b="0" i="0" u="none" strike="noStrike">
+                        <a:rPr lang="en-US" altLang="ja-JP" sz="700" b="0" i="0" u="none" strike="noStrike" dirty="0" smtClean="0">
+                          <a:solidFill>
+                            <a:srgbClr val="000000"/>
+                          </a:solidFill>
+                          <a:effectLst/>
+                          <a:latin typeface="メイリオ" panose="020B0604030504040204" pitchFamily="50" charset="-128"/>
+                          <a:ea typeface="メイリオ" panose="020B0604030504040204" pitchFamily="50" charset="-128"/>
+                        </a:rPr>
+                        <a:t>2-1</a:t>
+                      </a:r>
+                      <a:r>
+                        <a:rPr lang="ja-JP" altLang="en-US" sz="700" b="0" i="0" u="none" strike="noStrike" dirty="0">
                           <a:solidFill>
                             <a:srgbClr val="000000"/>
                           </a:solidFill>

--- a/design/2016/models/1_request_model.pptx
+++ b/design/2016/models/1_request_model.pptx
@@ -197,7 +197,7 @@
           <a:p>
             <a:fld id="{729140AA-5DCF-4644-846F-5EE03622738A}" type="datetimeFigureOut">
               <a:rPr kumimoji="1" lang="ja-JP" altLang="en-US" smtClean="0"/>
-              <a:t>2016/8/17</a:t>
+              <a:t>2016/8/18</a:t>
             </a:fld>
             <a:endParaRPr kumimoji="1" lang="ja-JP" altLang="en-US"/>
           </a:p>
@@ -628,7 +628,7 @@
           <a:p>
             <a:fld id="{D72B48E1-50D5-40B7-9AA4-D680720A3CD4}" type="datetimeFigureOut">
               <a:rPr kumimoji="1" lang="ja-JP" altLang="en-US" smtClean="0"/>
-              <a:t>2016/8/17</a:t>
+              <a:t>2016/8/18</a:t>
             </a:fld>
             <a:endParaRPr kumimoji="1" lang="ja-JP" altLang="en-US"/>
           </a:p>
@@ -830,7 +830,7 @@
           <a:p>
             <a:fld id="{D72B48E1-50D5-40B7-9AA4-D680720A3CD4}" type="datetimeFigureOut">
               <a:rPr kumimoji="1" lang="ja-JP" altLang="en-US" smtClean="0"/>
-              <a:t>2016/8/17</a:t>
+              <a:t>2016/8/18</a:t>
             </a:fld>
             <a:endParaRPr kumimoji="1" lang="ja-JP" altLang="en-US"/>
           </a:p>
@@ -1042,7 +1042,7 @@
           <a:p>
             <a:fld id="{D72B48E1-50D5-40B7-9AA4-D680720A3CD4}" type="datetimeFigureOut">
               <a:rPr kumimoji="1" lang="ja-JP" altLang="en-US" smtClean="0"/>
-              <a:t>2016/8/17</a:t>
+              <a:t>2016/8/18</a:t>
             </a:fld>
             <a:endParaRPr kumimoji="1" lang="ja-JP" altLang="en-US"/>
           </a:p>
@@ -1281,7 +1281,7 @@
           <a:p>
             <a:fld id="{D72B48E1-50D5-40B7-9AA4-D680720A3CD4}" type="datetimeFigureOut">
               <a:rPr kumimoji="1" lang="ja-JP" altLang="en-US" smtClean="0"/>
-              <a:t>2016/8/17</a:t>
+              <a:t>2016/8/18</a:t>
             </a:fld>
             <a:endParaRPr kumimoji="1" lang="ja-JP" altLang="en-US"/>
           </a:p>
@@ -1525,7 +1525,7 @@
           <a:p>
             <a:fld id="{D72B48E1-50D5-40B7-9AA4-D680720A3CD4}" type="datetimeFigureOut">
               <a:rPr kumimoji="1" lang="ja-JP" altLang="en-US" smtClean="0"/>
-              <a:t>2016/8/17</a:t>
+              <a:t>2016/8/18</a:t>
             </a:fld>
             <a:endParaRPr kumimoji="1" lang="ja-JP" altLang="en-US"/>
           </a:p>
@@ -1821,7 +1821,7 @@
           <a:p>
             <a:fld id="{D72B48E1-50D5-40B7-9AA4-D680720A3CD4}" type="datetimeFigureOut">
               <a:rPr kumimoji="1" lang="ja-JP" altLang="en-US" smtClean="0"/>
-              <a:t>2016/8/17</a:t>
+              <a:t>2016/8/18</a:t>
             </a:fld>
             <a:endParaRPr kumimoji="1" lang="ja-JP" altLang="en-US"/>
           </a:p>
@@ -2252,7 +2252,7 @@
           <a:p>
             <a:fld id="{D72B48E1-50D5-40B7-9AA4-D680720A3CD4}" type="datetimeFigureOut">
               <a:rPr kumimoji="1" lang="ja-JP" altLang="en-US" smtClean="0"/>
-              <a:t>2016/8/17</a:t>
+              <a:t>2016/8/18</a:t>
             </a:fld>
             <a:endParaRPr kumimoji="1" lang="ja-JP" altLang="en-US"/>
           </a:p>
@@ -2370,7 +2370,7 @@
           <a:p>
             <a:fld id="{D72B48E1-50D5-40B7-9AA4-D680720A3CD4}" type="datetimeFigureOut">
               <a:rPr kumimoji="1" lang="ja-JP" altLang="en-US" smtClean="0"/>
-              <a:t>2016/8/17</a:t>
+              <a:t>2016/8/18</a:t>
             </a:fld>
             <a:endParaRPr kumimoji="1" lang="ja-JP" altLang="en-US"/>
           </a:p>
@@ -2465,7 +2465,7 @@
           <a:p>
             <a:fld id="{D72B48E1-50D5-40B7-9AA4-D680720A3CD4}" type="datetimeFigureOut">
               <a:rPr kumimoji="1" lang="ja-JP" altLang="en-US" smtClean="0"/>
-              <a:t>2016/8/17</a:t>
+              <a:t>2016/8/18</a:t>
             </a:fld>
             <a:endParaRPr kumimoji="1" lang="ja-JP" altLang="en-US"/>
           </a:p>
@@ -2774,7 +2774,7 @@
           <a:p>
             <a:fld id="{D72B48E1-50D5-40B7-9AA4-D680720A3CD4}" type="datetimeFigureOut">
               <a:rPr kumimoji="1" lang="ja-JP" altLang="en-US" smtClean="0"/>
-              <a:t>2016/8/17</a:t>
+              <a:t>2016/8/18</a:t>
             </a:fld>
             <a:endParaRPr kumimoji="1" lang="ja-JP" altLang="en-US"/>
           </a:p>
@@ -3031,7 +3031,7 @@
           <a:p>
             <a:fld id="{D72B48E1-50D5-40B7-9AA4-D680720A3CD4}" type="datetimeFigureOut">
               <a:rPr kumimoji="1" lang="ja-JP" altLang="en-US" smtClean="0"/>
-              <a:t>2016/8/17</a:t>
+              <a:t>2016/8/18</a:t>
             </a:fld>
             <a:endParaRPr kumimoji="1" lang="ja-JP" altLang="en-US"/>
           </a:p>
@@ -3276,7 +3276,7 @@
           <a:p>
             <a:fld id="{D72B48E1-50D5-40B7-9AA4-D680720A3CD4}" type="datetimeFigureOut">
               <a:rPr kumimoji="1" lang="ja-JP" altLang="en-US" smtClean="0"/>
-              <a:t>2016/8/17</a:t>
+              <a:t>2016/8/18</a:t>
             </a:fld>
             <a:endParaRPr kumimoji="1" lang="ja-JP" altLang="en-US"/>
           </a:p>
@@ -4016,7 +4016,28 @@
                 <a:ea typeface="メイリオ" panose="020B0604030504040204" pitchFamily="50" charset="-128"/>
                 <a:cs typeface="メイリオ" panose="020B0604030504040204" pitchFamily="50" charset="-128"/>
               </a:rPr>
-              <a:t>(1/2)</a:t>
+              <a:t>(</a:t>
+            </a:r>
+            <a:r>
+              <a:rPr lang="en-US" altLang="ja-JP" sz="2000" dirty="0" smtClean="0">
+                <a:ln w="0"/>
+                <a:solidFill>
+                  <a:schemeClr val="bg1">
+                    <a:lumMod val="50000"/>
+                  </a:schemeClr>
+                </a:solidFill>
+                <a:effectLst>
+                  <a:outerShdw blurRad="38100" dist="38100" dir="2700000" algn="tl">
+                    <a:srgbClr val="000000">
+                      <a:alpha val="43137"/>
+                    </a:srgbClr>
+                  </a:outerShdw>
+                </a:effectLst>
+                <a:latin typeface="メイリオ" panose="020B0604030504040204" pitchFamily="50" charset="-128"/>
+                <a:ea typeface="メイリオ" panose="020B0604030504040204" pitchFamily="50" charset="-128"/>
+                <a:cs typeface="メイリオ" panose="020B0604030504040204" pitchFamily="50" charset="-128"/>
+              </a:rPr>
+              <a:t>1)</a:t>
             </a:r>
             <a:endParaRPr lang="ja-JP" altLang="en-US" sz="2227" dirty="0">
               <a:ln w="0"/>
@@ -4151,7 +4172,28 @@
                 <a:ea typeface="メイリオ" panose="020B0604030504040204" pitchFamily="50" charset="-128"/>
                 <a:cs typeface="メイリオ" panose="020B0604030504040204" pitchFamily="50" charset="-128"/>
               </a:rPr>
-              <a:t>(2/2)</a:t>
+              <a:t>(</a:t>
+            </a:r>
+            <a:r>
+              <a:rPr lang="en-US" altLang="ja-JP" sz="2000" dirty="0" smtClean="0">
+                <a:ln w="0"/>
+                <a:solidFill>
+                  <a:schemeClr val="bg1">
+                    <a:lumMod val="50000"/>
+                  </a:schemeClr>
+                </a:solidFill>
+                <a:effectLst>
+                  <a:outerShdw blurRad="38100" dist="38100" dir="2700000" algn="tl">
+                    <a:srgbClr val="000000">
+                      <a:alpha val="43137"/>
+                    </a:srgbClr>
+                  </a:outerShdw>
+                </a:effectLst>
+                <a:latin typeface="メイリオ" panose="020B0604030504040204" pitchFamily="50" charset="-128"/>
+                <a:ea typeface="メイリオ" panose="020B0604030504040204" pitchFamily="50" charset="-128"/>
+                <a:cs typeface="メイリオ" panose="020B0604030504040204" pitchFamily="50" charset="-128"/>
+              </a:rPr>
+              <a:t>2)</a:t>
             </a:r>
             <a:endParaRPr lang="ja-JP" altLang="en-US" sz="2000" dirty="0">
               <a:ln w="0"/>
@@ -5031,18 +5073,7 @@
                 <a:ea typeface="メイリオ" panose="020B0604030504040204" pitchFamily="50" charset="-128"/>
                 <a:cs typeface="メイリオ" panose="020B0604030504040204" pitchFamily="50" charset="-128"/>
               </a:rPr>
-              <a:t>要求に対応する</a:t>
-            </a:r>
-            <a:r>
-              <a:rPr lang="ja-JP" altLang="en-US" sz="1800" b="1" dirty="0" smtClean="0">
-                <a:solidFill>
-                  <a:schemeClr val="bg1"/>
-                </a:solidFill>
-                <a:latin typeface="メイリオ" panose="020B0604030504040204" pitchFamily="50" charset="-128"/>
-                <a:ea typeface="メイリオ" panose="020B0604030504040204" pitchFamily="50" charset="-128"/>
-                <a:cs typeface="メイリオ" panose="020B0604030504040204" pitchFamily="50" charset="-128"/>
-              </a:rPr>
-              <a:t>要素</a:t>
+              <a:t>要求に対応する要素</a:t>
             </a:r>
             <a:endParaRPr kumimoji="1" lang="ja-JP" altLang="en-US" sz="1800" b="1" dirty="0">
               <a:solidFill>
@@ -5091,23 +5122,7 @@
                 <a:ea typeface="メイリオ" panose="020B0604030504040204" pitchFamily="50" charset="-128"/>
                 <a:cs typeface="メイリオ" panose="020B0604030504040204" pitchFamily="50" charset="-128"/>
               </a:rPr>
-              <a:t>要求に対応する要素の</a:t>
-            </a:r>
-            <a:r>
-              <a:rPr kumimoji="1" lang="ja-JP" altLang="en-US" sz="1200" dirty="0" smtClean="0">
-                <a:latin typeface="メイリオ" panose="020B0604030504040204" pitchFamily="50" charset="-128"/>
-                <a:ea typeface="メイリオ" panose="020B0604030504040204" pitchFamily="50" charset="-128"/>
-                <a:cs typeface="メイリオ" panose="020B0604030504040204" pitchFamily="50" charset="-128"/>
-              </a:rPr>
-              <a:t>詳細</a:t>
-            </a:r>
-            <a:r>
-              <a:rPr kumimoji="1" lang="ja-JP" altLang="en-US" sz="1200" dirty="0" smtClean="0">
-                <a:latin typeface="メイリオ" panose="020B0604030504040204" pitchFamily="50" charset="-128"/>
-                <a:ea typeface="メイリオ" panose="020B0604030504040204" pitchFamily="50" charset="-128"/>
-                <a:cs typeface="メイリオ" panose="020B0604030504040204" pitchFamily="50" charset="-128"/>
-              </a:rPr>
-              <a:t>は</a:t>
+              <a:t>要求に対応する要素の詳細は</a:t>
             </a:r>
             <a:r>
               <a:rPr kumimoji="1" lang="en-US" altLang="ja-JP" sz="1200" dirty="0" smtClean="0">
@@ -5146,15 +5161,7 @@
                 <a:ea typeface="メイリオ" panose="020B0604030504040204" pitchFamily="50" charset="-128"/>
                 <a:cs typeface="メイリオ" panose="020B0604030504040204" pitchFamily="50" charset="-128"/>
               </a:rPr>
-              <a:t>後述</a:t>
-            </a:r>
-            <a:r>
-              <a:rPr kumimoji="1" lang="ja-JP" altLang="en-US" sz="1200" dirty="0" smtClean="0">
-                <a:latin typeface="メイリオ" panose="020B0604030504040204" pitchFamily="50" charset="-128"/>
-                <a:ea typeface="メイリオ" panose="020B0604030504040204" pitchFamily="50" charset="-128"/>
-                <a:cs typeface="メイリオ" panose="020B0604030504040204" pitchFamily="50" charset="-128"/>
-              </a:rPr>
-              <a:t>する</a:t>
+              <a:t>後述する</a:t>
             </a:r>
             <a:endParaRPr lang="en-US" altLang="ja-JP" sz="1200" dirty="0">
               <a:latin typeface="メイリオ" panose="020B0604030504040204" pitchFamily="50" charset="-128"/>
@@ -5169,15 +5176,7 @@
                 <a:ea typeface="メイリオ" panose="020B0604030504040204" pitchFamily="50" charset="-128"/>
                 <a:cs typeface="メイリオ" panose="020B0604030504040204" pitchFamily="50" charset="-128"/>
               </a:rPr>
-              <a:t>   </a:t>
-            </a:r>
-            <a:r>
-              <a:rPr kumimoji="1" lang="en-US" altLang="ja-JP" sz="1200" dirty="0" smtClean="0">
-                <a:latin typeface="メイリオ" panose="020B0604030504040204" pitchFamily="50" charset="-128"/>
-                <a:ea typeface="メイリオ" panose="020B0604030504040204" pitchFamily="50" charset="-128"/>
-                <a:cs typeface="メイリオ" panose="020B0604030504040204" pitchFamily="50" charset="-128"/>
-              </a:rPr>
-              <a:t>(</a:t>
+              <a:t>   (</a:t>
             </a:r>
             <a:r>
               <a:rPr lang="ja-JP" altLang="en-US" sz="1200" dirty="0" smtClean="0">

--- a/design/2016/models/1_request_model.pptx
+++ b/design/2016/models/1_request_model.pptx
@@ -4664,7 +4664,7 @@
         <p:spPr>
           <a:xfrm>
             <a:off x="361021" y="6435534"/>
-            <a:ext cx="8308713" cy="4111290"/>
+            <a:ext cx="8308713" cy="4019106"/>
           </a:xfrm>
           <a:prstGeom prst="rect">
             <a:avLst/>
